--- a/ez18n-slides/ez18n_crowdsourcing.pptx
+++ b/ez18n-slides/ez18n_crowdsourcing.pptx
@@ -6,7 +6,10 @@
   </p:sldMasterIdLst>
   <p:sldIdLst>
     <p:sldId id="256" r:id="rId2"/>
-    <p:sldId id="259" r:id="rId3"/>
+    <p:sldId id="260" r:id="rId3"/>
+    <p:sldId id="261" r:id="rId4"/>
+    <p:sldId id="259" r:id="rId5"/>
+    <p:sldId id="262" r:id="rId6"/>
   </p:sldIdLst>
   <p:sldSz cx="9144000" cy="6858000" type="screen4x3"/>
   <p:notesSz cx="6858000" cy="9144000"/>
@@ -2835,6 +2838,30 @@
           </a:p>
         </p:txBody>
       </p:sp>
+      <p:pic>
+        <p:nvPicPr>
+          <p:cNvPr id="8" name="Image 7"/>
+          <p:cNvPicPr>
+            <a:picLocks noChangeAspect="1"/>
+          </p:cNvPicPr>
+          <p:nvPr userDrawn="1"/>
+        </p:nvPicPr>
+        <p:blipFill>
+          <a:blip r:embed="rId14"/>
+          <a:stretch>
+            <a:fillRect/>
+          </a:stretch>
+        </p:blipFill>
+        <p:spPr>
+          <a:xfrm rot="16200000">
+            <a:off x="6401439" y="2708695"/>
+            <a:ext cx="4502989" cy="914400"/>
+          </a:xfrm>
+          <a:prstGeom prst="rect">
+            <a:avLst/>
+          </a:prstGeom>
+        </p:spPr>
+      </p:pic>
     </p:spTree>
     <p:extLst>
       <p:ext uri="{BB962C8B-B14F-4D97-AF65-F5344CB8AC3E}">
@@ -3234,6 +3261,291 @@
           <a:p>
             <a:r>
               <a:rPr lang="fr-FR" dirty="0" smtClean="0"/>
+              <a:t>Externaliser i18n</a:t>
+            </a:r>
+            <a:endParaRPr lang="fr-FR" dirty="0"/>
+          </a:p>
+        </p:txBody>
+      </p:sp>
+      <p:sp>
+        <p:nvSpPr>
+          <p:cNvPr id="3" name="Espace réservé du contenu 2"/>
+          <p:cNvSpPr>
+            <a:spLocks noGrp="1"/>
+          </p:cNvSpPr>
+          <p:nvPr>
+            <p:ph idx="1"/>
+          </p:nvPr>
+        </p:nvSpPr>
+        <p:spPr/>
+        <p:txBody>
+          <a:bodyPr>
+            <a:normAutofit/>
+          </a:bodyPr>
+          <a:lstStyle/>
+          <a:p>
+            <a:r>
+              <a:rPr lang="fr-FR" dirty="0" smtClean="0"/>
+              <a:t>Les langues non maitrisées par l’équipe</a:t>
+            </a:r>
+          </a:p>
+          <a:p>
+            <a:r>
+              <a:rPr lang="fr-FR" dirty="0" smtClean="0"/>
+              <a:t>Fichier </a:t>
+            </a:r>
+            <a:r>
+              <a:rPr lang="fr-FR" dirty="0" err="1" smtClean="0"/>
+              <a:t>excel</a:t>
+            </a:r>
+            <a:r>
+              <a:rPr lang="fr-FR" dirty="0" smtClean="0"/>
+              <a:t> ?</a:t>
+            </a:r>
+          </a:p>
+          <a:p>
+            <a:pPr lvl="1"/>
+            <a:r>
+              <a:rPr lang="fr-FR" dirty="0" smtClean="0"/>
+              <a:t>Ok mais on intègre comment ?</a:t>
+            </a:r>
+          </a:p>
+          <a:p>
+            <a:pPr lvl="1"/>
+            <a:endParaRPr lang="fr-FR" dirty="0" smtClean="0"/>
+          </a:p>
+          <a:p>
+            <a:r>
+              <a:rPr lang="fr-FR" dirty="0" smtClean="0"/>
+              <a:t>Outils de gestion de localisation</a:t>
+            </a:r>
+          </a:p>
+          <a:p>
+            <a:pPr lvl="1"/>
+            <a:r>
+              <a:rPr lang="en-US" dirty="0">
+                <a:hlinkClick r:id="rId2"/>
+              </a:rPr>
+              <a:t>http://www.i18nguy.com/</a:t>
+            </a:r>
+            <a:r>
+              <a:rPr lang="en-US" dirty="0" smtClean="0">
+                <a:hlinkClick r:id="rId2"/>
+              </a:rPr>
+              <a:t>TranslationTools.html</a:t>
+            </a:r>
+            <a:endParaRPr lang="en-US" dirty="0" smtClean="0"/>
+          </a:p>
+          <a:p>
+            <a:pPr lvl="1"/>
+            <a:r>
+              <a:rPr lang="fr-FR" dirty="0" err="1" smtClean="0"/>
+              <a:t>Built</a:t>
+            </a:r>
+            <a:r>
+              <a:rPr lang="fr-FR" dirty="0" smtClean="0"/>
+              <a:t>-in IDE</a:t>
+            </a:r>
+          </a:p>
+          <a:p>
+            <a:pPr lvl="1"/>
+            <a:r>
+              <a:rPr lang="fr-FR" dirty="0" smtClean="0"/>
+              <a:t>Edition simultanée de .</a:t>
+            </a:r>
+            <a:r>
+              <a:rPr lang="fr-FR" dirty="0" err="1" smtClean="0"/>
+              <a:t>properties</a:t>
+            </a:r>
+            <a:endParaRPr lang="fr-FR" dirty="0" smtClean="0"/>
+          </a:p>
+          <a:p>
+            <a:endParaRPr lang="fr-FR" dirty="0"/>
+          </a:p>
+        </p:txBody>
+      </p:sp>
+    </p:spTree>
+    <p:extLst>
+      <p:ext uri="{BB962C8B-B14F-4D97-AF65-F5344CB8AC3E}">
+        <p14:creationId xmlns:p14="http://schemas.microsoft.com/office/powerpoint/2010/main" val="3597133846"/>
+      </p:ext>
+    </p:extLst>
+  </p:cSld>
+  <p:clrMapOvr>
+    <a:masterClrMapping/>
+  </p:clrMapOvr>
+</p:sld>
+</file>
+
+<file path=ppt/slides/slide3.xml><?xml version="1.0" encoding="utf-8"?>
+<p:sld xmlns:a="http://schemas.openxmlformats.org/drawingml/2006/main" xmlns:r="http://schemas.openxmlformats.org/officeDocument/2006/relationships" xmlns:p="http://schemas.openxmlformats.org/presentationml/2006/main">
+  <p:cSld>
+    <p:spTree>
+      <p:nvGrpSpPr>
+        <p:cNvPr id="1" name=""/>
+        <p:cNvGrpSpPr/>
+        <p:nvPr/>
+      </p:nvGrpSpPr>
+      <p:grpSpPr>
+        <a:xfrm>
+          <a:off x="0" y="0"/>
+          <a:ext cx="0" cy="0"/>
+          <a:chOff x="0" y="0"/>
+          <a:chExt cx="0" cy="0"/>
+        </a:xfrm>
+      </p:grpSpPr>
+      <p:sp>
+        <p:nvSpPr>
+          <p:cNvPr id="2" name="Titre 1"/>
+          <p:cNvSpPr>
+            <a:spLocks noGrp="1"/>
+          </p:cNvSpPr>
+          <p:nvPr>
+            <p:ph type="title"/>
+          </p:nvPr>
+        </p:nvSpPr>
+        <p:spPr/>
+        <p:txBody>
+          <a:bodyPr/>
+          <a:lstStyle/>
+          <a:p>
+            <a:r>
+              <a:rPr lang="fr-FR" dirty="0" smtClean="0"/>
+              <a:t>Vraiment pas satisfaisant</a:t>
+            </a:r>
+            <a:endParaRPr lang="fr-FR" dirty="0"/>
+          </a:p>
+        </p:txBody>
+      </p:sp>
+      <p:sp>
+        <p:nvSpPr>
+          <p:cNvPr id="3" name="Espace réservé du contenu 2"/>
+          <p:cNvSpPr>
+            <a:spLocks noGrp="1"/>
+          </p:cNvSpPr>
+          <p:nvPr>
+            <p:ph idx="1"/>
+          </p:nvPr>
+        </p:nvSpPr>
+        <p:spPr/>
+        <p:txBody>
+          <a:bodyPr/>
+          <a:lstStyle/>
+          <a:p>
+            <a:r>
+              <a:rPr lang="fr-FR" dirty="0" smtClean="0"/>
+              <a:t>Trop proche du code source</a:t>
+            </a:r>
+          </a:p>
+          <a:p>
+            <a:r>
+              <a:rPr lang="fr-FR" dirty="0" smtClean="0"/>
+              <a:t>Cycle de vie très différent</a:t>
+            </a:r>
+          </a:p>
+          <a:p>
+            <a:r>
+              <a:rPr lang="fr-FR" dirty="0" smtClean="0"/>
+              <a:t>Dérangement de l’équipe R&amp;D</a:t>
+            </a:r>
+          </a:p>
+          <a:p>
+            <a:endParaRPr lang="fr-FR" dirty="0"/>
+          </a:p>
+          <a:p>
+            <a:r>
+              <a:rPr lang="fr-FR" dirty="0" smtClean="0"/>
+              <a:t>D’autres solution ?</a:t>
+            </a:r>
+          </a:p>
+          <a:p>
+            <a:pPr lvl="1"/>
+            <a:r>
+              <a:rPr lang="fr-FR" dirty="0" err="1" smtClean="0"/>
+              <a:t>Talend</a:t>
+            </a:r>
+            <a:r>
+              <a:rPr lang="fr-FR" dirty="0" smtClean="0"/>
+              <a:t>/</a:t>
+            </a:r>
+            <a:r>
+              <a:rPr lang="fr-FR" dirty="0" err="1" smtClean="0"/>
+              <a:t>Bonita</a:t>
+            </a:r>
+            <a:r>
+              <a:rPr lang="fr-FR" dirty="0" smtClean="0"/>
+              <a:t> : « </a:t>
+            </a:r>
+            <a:r>
+              <a:rPr lang="fr-FR" dirty="0" err="1" smtClean="0"/>
+              <a:t>Babili</a:t>
+            </a:r>
+            <a:r>
+              <a:rPr lang="fr-FR" dirty="0" smtClean="0"/>
+              <a:t> » - PHP Self-made</a:t>
+            </a:r>
+          </a:p>
+          <a:p>
+            <a:pPr lvl="1"/>
+            <a:r>
+              <a:rPr lang="fr-FR" dirty="0" err="1" smtClean="0"/>
+              <a:t>Altassian</a:t>
+            </a:r>
+            <a:r>
+              <a:rPr lang="fr-FR" smtClean="0"/>
+              <a:t> : </a:t>
+            </a:r>
+            <a:endParaRPr lang="fr-FR" dirty="0"/>
+          </a:p>
+        </p:txBody>
+      </p:sp>
+    </p:spTree>
+    <p:extLst>
+      <p:ext uri="{BB962C8B-B14F-4D97-AF65-F5344CB8AC3E}">
+        <p14:creationId xmlns:p14="http://schemas.microsoft.com/office/powerpoint/2010/main" val="2188604847"/>
+      </p:ext>
+    </p:extLst>
+  </p:cSld>
+  <p:clrMapOvr>
+    <a:masterClrMapping/>
+  </p:clrMapOvr>
+</p:sld>
+</file>
+
+<file path=ppt/slides/slide4.xml><?xml version="1.0" encoding="utf-8"?>
+<p:sld xmlns:a="http://schemas.openxmlformats.org/drawingml/2006/main" xmlns:r="http://schemas.openxmlformats.org/officeDocument/2006/relationships" xmlns:p="http://schemas.openxmlformats.org/presentationml/2006/main">
+  <p:cSld>
+    <p:spTree>
+      <p:nvGrpSpPr>
+        <p:cNvPr id="1" name=""/>
+        <p:cNvGrpSpPr/>
+        <p:nvPr/>
+      </p:nvGrpSpPr>
+      <p:grpSpPr>
+        <a:xfrm>
+          <a:off x="0" y="0"/>
+          <a:ext cx="0" cy="0"/>
+          <a:chOff x="0" y="0"/>
+          <a:chExt cx="0" cy="0"/>
+        </a:xfrm>
+      </p:grpSpPr>
+      <p:sp>
+        <p:nvSpPr>
+          <p:cNvPr id="2" name="Titre 1"/>
+          <p:cNvSpPr>
+            <a:spLocks noGrp="1"/>
+          </p:cNvSpPr>
+          <p:nvPr>
+            <p:ph type="title"/>
+          </p:nvPr>
+        </p:nvSpPr>
+        <p:spPr/>
+        <p:txBody>
+          <a:bodyPr/>
+          <a:lstStyle/>
+          <a:p>
+            <a:r>
+              <a:rPr lang="fr-FR" dirty="0" smtClean="0"/>
               <a:t>Des outils</a:t>
             </a:r>
             <a:endParaRPr lang="fr-FR" dirty="0"/>
@@ -3258,24 +3570,107 @@
         </p:spPr>
         <p:txBody>
           <a:bodyPr anchor="ctr">
-            <a:normAutofit/>
+            <a:normAutofit fontScale="62500" lnSpcReduction="20000"/>
           </a:bodyPr>
           <a:lstStyle/>
           <a:p>
-            <a:pPr marL="0" indent="0" algn="ctr">
+            <a:pPr marL="0" indent="0">
               <a:buNone/>
             </a:pPr>
             <a:r>
-              <a:rPr lang="it-IT" sz="4400" dirty="0"/>
-              <a:t>http://</a:t>
-            </a:r>
-            <a:r>
-              <a:rPr lang="it-IT" sz="4400" dirty="0" err="1"/>
+              <a:rPr lang="it-IT" sz="4400" dirty="0" err="1" smtClean="0"/>
+              <a:t>MyGengo</a:t>
+            </a:r>
+            <a:r>
+              <a:rPr lang="it-IT" sz="4400" dirty="0" smtClean="0"/>
+              <a:t> :</a:t>
+            </a:r>
+          </a:p>
+          <a:p>
+            <a:r>
+              <a:rPr lang="it-IT" sz="4400" dirty="0" smtClean="0">
+                <a:hlinkClick r:id="rId2"/>
+              </a:rPr>
+              <a:t>http</a:t>
+            </a:r>
+            <a:r>
+              <a:rPr lang="it-IT" sz="4400" dirty="0">
+                <a:hlinkClick r:id="rId2"/>
+              </a:rPr>
+              <a:t>://</a:t>
+            </a:r>
+            <a:r>
+              <a:rPr lang="it-IT" sz="4400" dirty="0" smtClean="0">
+                <a:hlinkClick r:id="rId2"/>
+              </a:rPr>
               <a:t>mygengo.com</a:t>
             </a:r>
-            <a:r>
-              <a:rPr lang="it-IT" sz="4400" dirty="0"/>
-              <a:t>/api/</a:t>
+            <a:endParaRPr lang="it-IT" sz="4400" dirty="0" smtClean="0"/>
+          </a:p>
+          <a:p>
+            <a:r>
+              <a:rPr lang="it-IT" sz="4400" dirty="0" smtClean="0"/>
+              <a:t>Service de </a:t>
+            </a:r>
+            <a:r>
+              <a:rPr lang="it-IT" sz="4400" dirty="0" err="1" smtClean="0"/>
+              <a:t>traduction</a:t>
+            </a:r>
+            <a:r>
+              <a:rPr lang="it-IT" sz="4400" dirty="0" smtClean="0"/>
+              <a:t> </a:t>
+            </a:r>
+            <a:r>
+              <a:rPr lang="it-IT" sz="4400" dirty="0" err="1" smtClean="0"/>
+              <a:t>avec</a:t>
+            </a:r>
+            <a:r>
+              <a:rPr lang="it-IT" sz="4400" dirty="0" smtClean="0"/>
+              <a:t> API</a:t>
+            </a:r>
+          </a:p>
+          <a:p>
+            <a:pPr marL="0" indent="0">
+              <a:buNone/>
+            </a:pPr>
+            <a:r>
+              <a:rPr lang="en-US" sz="4400" dirty="0" err="1" smtClean="0"/>
+              <a:t>Pootle</a:t>
+            </a:r>
+            <a:r>
+              <a:rPr lang="en-US" sz="4400" dirty="0" smtClean="0"/>
+              <a:t> :</a:t>
+            </a:r>
+          </a:p>
+          <a:p>
+            <a:r>
+              <a:rPr lang="en-US" sz="4400" dirty="0" smtClean="0">
+                <a:hlinkClick r:id="rId3"/>
+              </a:rPr>
+              <a:t>http</a:t>
+            </a:r>
+            <a:r>
+              <a:rPr lang="en-US" sz="4400" dirty="0">
+                <a:hlinkClick r:id="rId3"/>
+              </a:rPr>
+              <a:t>://</a:t>
+            </a:r>
+            <a:r>
+              <a:rPr lang="en-US" sz="4400" dirty="0" smtClean="0">
+                <a:hlinkClick r:id="rId3"/>
+              </a:rPr>
+              <a:t>translate.sourceforge.net</a:t>
+            </a:r>
+            <a:endParaRPr lang="en-US" sz="4400" dirty="0" smtClean="0"/>
+          </a:p>
+          <a:p>
+            <a:r>
+              <a:rPr lang="en-US" sz="4400" dirty="0" err="1" smtClean="0"/>
+              <a:t>Exemple</a:t>
+            </a:r>
+            <a:r>
+              <a:rPr lang="en-US" sz="4400" dirty="0" smtClean="0"/>
+              <a:t> : </a:t>
             </a:r>
             <a:endParaRPr lang="fr-FR" sz="4400" dirty="0"/>
           </a:p>
@@ -3285,6 +3680,102 @@
     <p:extLst>
       <p:ext uri="{BB962C8B-B14F-4D97-AF65-F5344CB8AC3E}">
         <p14:creationId xmlns:p14="http://schemas.microsoft.com/office/powerpoint/2010/main" val="1225078731"/>
+      </p:ext>
+    </p:extLst>
+  </p:cSld>
+  <p:clrMapOvr>
+    <a:masterClrMapping/>
+  </p:clrMapOvr>
+</p:sld>
+</file>
+
+<file path=ppt/slides/slide5.xml><?xml version="1.0" encoding="utf-8"?>
+<p:sld xmlns:a="http://schemas.openxmlformats.org/drawingml/2006/main" xmlns:r="http://schemas.openxmlformats.org/officeDocument/2006/relationships" xmlns:p="http://schemas.openxmlformats.org/presentationml/2006/main">
+  <p:cSld>
+    <p:spTree>
+      <p:nvGrpSpPr>
+        <p:cNvPr id="1" name=""/>
+        <p:cNvGrpSpPr/>
+        <p:nvPr/>
+      </p:nvGrpSpPr>
+      <p:grpSpPr>
+        <a:xfrm>
+          <a:off x="0" y="0"/>
+          <a:ext cx="0" cy="0"/>
+          <a:chOff x="0" y="0"/>
+          <a:chExt cx="0" cy="0"/>
+        </a:xfrm>
+      </p:grpSpPr>
+      <p:sp>
+        <p:nvSpPr>
+          <p:cNvPr id="2" name="Titre 1"/>
+          <p:cNvSpPr>
+            <a:spLocks noGrp="1"/>
+          </p:cNvSpPr>
+          <p:nvPr>
+            <p:ph type="title"/>
+          </p:nvPr>
+        </p:nvSpPr>
+        <p:spPr/>
+        <p:txBody>
+          <a:bodyPr/>
+          <a:lstStyle/>
+          <a:p>
+            <a:r>
+              <a:rPr lang="fr-FR" dirty="0" err="1" smtClean="0"/>
+              <a:t>Resources</a:t>
+            </a:r>
+            <a:endParaRPr lang="fr-FR" dirty="0"/>
+          </a:p>
+        </p:txBody>
+      </p:sp>
+      <p:sp>
+        <p:nvSpPr>
+          <p:cNvPr id="3" name="Espace réservé du contenu 2"/>
+          <p:cNvSpPr>
+            <a:spLocks noGrp="1"/>
+          </p:cNvSpPr>
+          <p:nvPr>
+            <p:ph idx="1"/>
+          </p:nvPr>
+        </p:nvSpPr>
+        <p:spPr/>
+        <p:txBody>
+          <a:bodyPr/>
+          <a:lstStyle/>
+          <a:p>
+            <a:r>
+              <a:rPr lang="pl-PL" dirty="0"/>
+              <a:t>http://</a:t>
+            </a:r>
+            <a:r>
+              <a:rPr lang="pl-PL" dirty="0" err="1"/>
+              <a:t>fr.wikipedia.org</a:t>
+            </a:r>
+            <a:r>
+              <a:rPr lang="pl-PL" dirty="0"/>
+              <a:t>/</a:t>
+            </a:r>
+            <a:r>
+              <a:rPr lang="pl-PL" dirty="0" err="1"/>
+              <a:t>wiki</a:t>
+            </a:r>
+            <a:r>
+              <a:rPr lang="pl-PL" dirty="0"/>
+              <a:t>/</a:t>
+            </a:r>
+            <a:r>
+              <a:rPr lang="pl-PL" dirty="0" err="1"/>
+              <a:t>Crowdsourcing</a:t>
+            </a:r>
+            <a:endParaRPr lang="fr-FR" dirty="0"/>
+          </a:p>
+        </p:txBody>
+      </p:sp>
+    </p:spTree>
+    <p:extLst>
+      <p:ext uri="{BB962C8B-B14F-4D97-AF65-F5344CB8AC3E}">
+        <p14:creationId xmlns:p14="http://schemas.microsoft.com/office/powerpoint/2010/main" val="2910613733"/>
       </p:ext>
     </p:extLst>
   </p:cSld>

--- a/ez18n-slides/ez18n_crowdsourcing.pptx
+++ b/ez18n-slides/ez18n_crowdsourcing.pptx
@@ -8,8 +8,12 @@
     <p:sldId id="256" r:id="rId2"/>
     <p:sldId id="260" r:id="rId3"/>
     <p:sldId id="261" r:id="rId4"/>
-    <p:sldId id="259" r:id="rId5"/>
-    <p:sldId id="262" r:id="rId6"/>
+    <p:sldId id="263" r:id="rId5"/>
+    <p:sldId id="266" r:id="rId6"/>
+    <p:sldId id="265" r:id="rId7"/>
+    <p:sldId id="264" r:id="rId8"/>
+    <p:sldId id="259" r:id="rId9"/>
+    <p:sldId id="262" r:id="rId10"/>
   </p:sldIdLst>
   <p:sldSz cx="9144000" cy="6858000" type="screen4x3"/>
   <p:notesSz cx="6858000" cy="9144000"/>
@@ -3261,7 +3265,7 @@
           <a:p>
             <a:r>
               <a:rPr lang="fr-FR" dirty="0" smtClean="0"/>
-              <a:t>Externaliser i18n</a:t>
+              <a:t>Externaliser l’Internalisation!</a:t>
             </a:r>
             <a:endParaRPr lang="fr-FR" dirty="0"/>
           </a:p>
@@ -3280,7 +3284,7 @@
         <p:spPr/>
         <p:txBody>
           <a:bodyPr>
-            <a:normAutofit/>
+            <a:normAutofit fontScale="92500" lnSpcReduction="20000"/>
           </a:bodyPr>
           <a:lstStyle/>
           <a:p>
@@ -3290,6 +3294,9 @@
             </a:r>
           </a:p>
           <a:p>
+            <a:endParaRPr lang="fr-FR" dirty="0" smtClean="0"/>
+          </a:p>
+          <a:p>
             <a:r>
               <a:rPr lang="fr-FR" dirty="0" smtClean="0"/>
               <a:t>Fichier </a:t>
@@ -3308,6 +3315,13 @@
             <a:r>
               <a:rPr lang="fr-FR" dirty="0" smtClean="0"/>
               <a:t>Ok mais on intègre comment ?</a:t>
+            </a:r>
+          </a:p>
+          <a:p>
+            <a:pPr lvl="1"/>
+            <a:r>
+              <a:rPr lang="fr-FR" dirty="0" smtClean="0"/>
+              <a:t>Gestion de source ?</a:t>
             </a:r>
           </a:p>
           <a:p>
@@ -3452,51 +3466,6 @@
           <a:p>
             <a:endParaRPr lang="fr-FR" dirty="0"/>
           </a:p>
-          <a:p>
-            <a:r>
-              <a:rPr lang="fr-FR" dirty="0" smtClean="0"/>
-              <a:t>D’autres solution ?</a:t>
-            </a:r>
-          </a:p>
-          <a:p>
-            <a:pPr lvl="1"/>
-            <a:r>
-              <a:rPr lang="fr-FR" dirty="0" err="1" smtClean="0"/>
-              <a:t>Talend</a:t>
-            </a:r>
-            <a:r>
-              <a:rPr lang="fr-FR" dirty="0" smtClean="0"/>
-              <a:t>/</a:t>
-            </a:r>
-            <a:r>
-              <a:rPr lang="fr-FR" dirty="0" err="1" smtClean="0"/>
-              <a:t>Bonita</a:t>
-            </a:r>
-            <a:r>
-              <a:rPr lang="fr-FR" dirty="0" smtClean="0"/>
-              <a:t> : « </a:t>
-            </a:r>
-            <a:r>
-              <a:rPr lang="fr-FR" dirty="0" err="1" smtClean="0"/>
-              <a:t>Babili</a:t>
-            </a:r>
-            <a:r>
-              <a:rPr lang="fr-FR" dirty="0" smtClean="0"/>
-              <a:t> » - PHP Self-made</a:t>
-            </a:r>
-          </a:p>
-          <a:p>
-            <a:pPr lvl="1"/>
-            <a:r>
-              <a:rPr lang="fr-FR" dirty="0" err="1" smtClean="0"/>
-              <a:t>Altassian</a:t>
-            </a:r>
-            <a:r>
-              <a:rPr lang="fr-FR" smtClean="0"/>
-              <a:t> : </a:t>
-            </a:r>
-            <a:endParaRPr lang="fr-FR" dirty="0"/>
-          </a:p>
         </p:txBody>
       </p:sp>
     </p:spTree>
@@ -3546,6 +3515,608 @@
           <a:p>
             <a:r>
               <a:rPr lang="fr-FR" dirty="0" smtClean="0"/>
+              <a:t>Des idées de solutions ?</a:t>
+            </a:r>
+            <a:endParaRPr lang="fr-FR" dirty="0"/>
+          </a:p>
+        </p:txBody>
+      </p:sp>
+      <p:sp>
+        <p:nvSpPr>
+          <p:cNvPr id="3" name="Espace réservé du contenu 2"/>
+          <p:cNvSpPr>
+            <a:spLocks noGrp="1"/>
+          </p:cNvSpPr>
+          <p:nvPr>
+            <p:ph idx="1"/>
+          </p:nvPr>
+        </p:nvSpPr>
+        <p:spPr/>
+        <p:txBody>
+          <a:bodyPr/>
+          <a:lstStyle/>
+          <a:p>
+            <a:r>
+              <a:rPr lang="fr-FR" dirty="0"/>
+              <a:t>D’autres solution ?</a:t>
+            </a:r>
+          </a:p>
+          <a:p>
+            <a:pPr lvl="1"/>
+            <a:r>
+              <a:rPr lang="fr-FR" dirty="0" err="1"/>
+              <a:t>Talend</a:t>
+            </a:r>
+            <a:r>
+              <a:rPr lang="fr-FR" dirty="0"/>
+              <a:t>/</a:t>
+            </a:r>
+            <a:r>
+              <a:rPr lang="fr-FR" dirty="0" err="1"/>
+              <a:t>Bonita</a:t>
+            </a:r>
+            <a:r>
+              <a:rPr lang="fr-FR" dirty="0"/>
+              <a:t> : « </a:t>
+            </a:r>
+            <a:r>
+              <a:rPr lang="fr-FR" dirty="0" err="1"/>
+              <a:t>Babili</a:t>
+            </a:r>
+            <a:r>
+              <a:rPr lang="fr-FR" dirty="0"/>
+              <a:t> » - PHP Self-made</a:t>
+            </a:r>
+          </a:p>
+          <a:p>
+            <a:pPr lvl="1"/>
+            <a:r>
+              <a:rPr lang="fr-FR" dirty="0" err="1"/>
+              <a:t>Altassian</a:t>
+            </a:r>
+            <a:r>
+              <a:rPr lang="fr-FR" dirty="0"/>
+              <a:t> Translations</a:t>
+            </a:r>
+          </a:p>
+          <a:p>
+            <a:pPr lvl="1"/>
+            <a:r>
+              <a:rPr lang="fr-FR" dirty="0" err="1"/>
+              <a:t>Pootle</a:t>
+            </a:r>
+            <a:r>
+              <a:rPr lang="fr-FR" dirty="0"/>
+              <a:t> : </a:t>
+            </a:r>
+            <a:r>
+              <a:rPr lang="fr-FR" dirty="0" err="1"/>
+              <a:t>LifeRay</a:t>
+            </a:r>
+            <a:endParaRPr lang="fr-FR" dirty="0"/>
+          </a:p>
+          <a:p>
+            <a:endParaRPr lang="fr-FR" dirty="0" smtClean="0"/>
+          </a:p>
+        </p:txBody>
+      </p:sp>
+    </p:spTree>
+    <p:extLst>
+      <p:ext uri="{BB962C8B-B14F-4D97-AF65-F5344CB8AC3E}">
+        <p14:creationId xmlns:p14="http://schemas.microsoft.com/office/powerpoint/2010/main" val="336790186"/>
+      </p:ext>
+    </p:extLst>
+  </p:cSld>
+  <p:clrMapOvr>
+    <a:masterClrMapping/>
+  </p:clrMapOvr>
+</p:sld>
+</file>
+
+<file path=ppt/slides/slide5.xml><?xml version="1.0" encoding="utf-8"?>
+<p:sld xmlns:a="http://schemas.openxmlformats.org/drawingml/2006/main" xmlns:r="http://schemas.openxmlformats.org/officeDocument/2006/relationships" xmlns:p="http://schemas.openxmlformats.org/presentationml/2006/main">
+  <p:cSld>
+    <p:spTree>
+      <p:nvGrpSpPr>
+        <p:cNvPr id="1" name=""/>
+        <p:cNvGrpSpPr/>
+        <p:nvPr/>
+      </p:nvGrpSpPr>
+      <p:grpSpPr>
+        <a:xfrm>
+          <a:off x="0" y="0"/>
+          <a:ext cx="0" cy="0"/>
+          <a:chOff x="0" y="0"/>
+          <a:chExt cx="0" cy="0"/>
+        </a:xfrm>
+      </p:grpSpPr>
+      <p:pic>
+        <p:nvPicPr>
+          <p:cNvPr id="4" name="Espace réservé du contenu 3" descr="crowd-babili.png"/>
+          <p:cNvPicPr>
+            <a:picLocks noGrp="1" noChangeAspect="1"/>
+          </p:cNvPicPr>
+          <p:nvPr>
+            <p:ph idx="1"/>
+          </p:nvPr>
+        </p:nvPicPr>
+        <p:blipFill>
+          <a:blip r:embed="rId2">
+            <a:extLst>
+              <a:ext uri="{28A0092B-C50C-407E-A947-70E740481C1C}">
+                <a14:useLocalDpi xmlns:a14="http://schemas.microsoft.com/office/drawing/2010/main" val="0"/>
+              </a:ext>
+            </a:extLst>
+          </a:blip>
+          <a:srcRect l="6289" r="6289"/>
+          <a:stretch>
+            <a:fillRect/>
+          </a:stretch>
+        </p:blipFill>
+        <p:spPr>
+          <a:xfrm>
+            <a:off x="4114800" y="0"/>
+            <a:ext cx="4572000" cy="2514424"/>
+          </a:xfrm>
+        </p:spPr>
+      </p:pic>
+      <p:pic>
+        <p:nvPicPr>
+          <p:cNvPr id="6" name="Image 5" descr="atlassian-translations.png"/>
+          <p:cNvPicPr>
+            <a:picLocks noChangeAspect="1"/>
+          </p:cNvPicPr>
+          <p:nvPr/>
+        </p:nvPicPr>
+        <p:blipFill>
+          <a:blip r:embed="rId3">
+            <a:extLst>
+              <a:ext uri="{28A0092B-C50C-407E-A947-70E740481C1C}">
+                <a14:useLocalDpi xmlns:a14="http://schemas.microsoft.com/office/drawing/2010/main" val="0"/>
+              </a:ext>
+            </a:extLst>
+          </a:blip>
+          <a:stretch>
+            <a:fillRect/>
+          </a:stretch>
+        </p:blipFill>
+        <p:spPr>
+          <a:xfrm>
+            <a:off x="152400" y="1295400"/>
+            <a:ext cx="4714623" cy="2298037"/>
+          </a:xfrm>
+          <a:prstGeom prst="rect">
+            <a:avLst/>
+          </a:prstGeom>
+        </p:spPr>
+      </p:pic>
+      <p:pic>
+        <p:nvPicPr>
+          <p:cNvPr id="5" name="Image 4" descr="crowd-liferay.png"/>
+          <p:cNvPicPr>
+            <a:picLocks noChangeAspect="1"/>
+          </p:cNvPicPr>
+          <p:nvPr/>
+        </p:nvPicPr>
+        <p:blipFill>
+          <a:blip r:embed="rId4">
+            <a:extLst>
+              <a:ext uri="{28A0092B-C50C-407E-A947-70E740481C1C}">
+                <a14:useLocalDpi xmlns:a14="http://schemas.microsoft.com/office/drawing/2010/main" val="0"/>
+              </a:ext>
+            </a:extLst>
+          </a:blip>
+          <a:stretch>
+            <a:fillRect/>
+          </a:stretch>
+        </p:blipFill>
+        <p:spPr>
+          <a:xfrm>
+            <a:off x="2743200" y="2895600"/>
+            <a:ext cx="5105400" cy="2690292"/>
+          </a:xfrm>
+          <a:prstGeom prst="rect">
+            <a:avLst/>
+          </a:prstGeom>
+        </p:spPr>
+      </p:pic>
+      <p:sp>
+        <p:nvSpPr>
+          <p:cNvPr id="7" name="ZoneTexte 6"/>
+          <p:cNvSpPr txBox="1"/>
+          <p:nvPr/>
+        </p:nvSpPr>
+        <p:spPr>
+          <a:xfrm>
+            <a:off x="1828800" y="228600"/>
+            <a:ext cx="2264074" cy="369332"/>
+          </a:xfrm>
+          <a:prstGeom prst="rect">
+            <a:avLst/>
+          </a:prstGeom>
+          <a:noFill/>
+        </p:spPr>
+        <p:txBody>
+          <a:bodyPr wrap="none" rtlCol="0">
+            <a:spAutoFit/>
+          </a:bodyPr>
+          <a:lstStyle/>
+          <a:p>
+            <a:r>
+              <a:rPr lang="fr-FR" dirty="0" err="1" smtClean="0"/>
+              <a:t>Babili</a:t>
+            </a:r>
+            <a:r>
+              <a:rPr lang="fr-FR" dirty="0" smtClean="0"/>
+              <a:t> : </a:t>
+            </a:r>
+            <a:r>
+              <a:rPr lang="fr-FR" dirty="0" err="1" smtClean="0"/>
+              <a:t>bonita</a:t>
+            </a:r>
+            <a:r>
+              <a:rPr lang="fr-FR" dirty="0" smtClean="0"/>
+              <a:t> / </a:t>
+            </a:r>
+            <a:r>
+              <a:rPr lang="fr-FR" dirty="0" err="1" smtClean="0"/>
+              <a:t>talend</a:t>
+            </a:r>
+            <a:endParaRPr lang="fr-FR" dirty="0"/>
+          </a:p>
+        </p:txBody>
+      </p:sp>
+      <p:sp>
+        <p:nvSpPr>
+          <p:cNvPr id="8" name="ZoneTexte 7"/>
+          <p:cNvSpPr txBox="1"/>
+          <p:nvPr/>
+        </p:nvSpPr>
+        <p:spPr>
+          <a:xfrm>
+            <a:off x="228600" y="838200"/>
+            <a:ext cx="2217186" cy="369332"/>
+          </a:xfrm>
+          <a:prstGeom prst="rect">
+            <a:avLst/>
+          </a:prstGeom>
+          <a:noFill/>
+        </p:spPr>
+        <p:txBody>
+          <a:bodyPr wrap="none" rtlCol="0">
+            <a:spAutoFit/>
+          </a:bodyPr>
+          <a:lstStyle/>
+          <a:p>
+            <a:r>
+              <a:rPr lang="fr-FR" dirty="0" err="1" smtClean="0"/>
+              <a:t>Atlassian</a:t>
+            </a:r>
+            <a:r>
+              <a:rPr lang="fr-FR" dirty="0" smtClean="0"/>
+              <a:t> Translations</a:t>
+            </a:r>
+            <a:endParaRPr lang="fr-FR" dirty="0"/>
+          </a:p>
+        </p:txBody>
+      </p:sp>
+      <p:sp>
+        <p:nvSpPr>
+          <p:cNvPr id="9" name="ZoneTexte 8"/>
+          <p:cNvSpPr txBox="1"/>
+          <p:nvPr/>
+        </p:nvSpPr>
+        <p:spPr>
+          <a:xfrm>
+            <a:off x="1828800" y="4267200"/>
+            <a:ext cx="792517" cy="369332"/>
+          </a:xfrm>
+          <a:prstGeom prst="rect">
+            <a:avLst/>
+          </a:prstGeom>
+          <a:noFill/>
+        </p:spPr>
+        <p:txBody>
+          <a:bodyPr wrap="none" rtlCol="0">
+            <a:spAutoFit/>
+          </a:bodyPr>
+          <a:lstStyle/>
+          <a:p>
+            <a:r>
+              <a:rPr lang="fr-FR" dirty="0" err="1" smtClean="0"/>
+              <a:t>Poolte</a:t>
+            </a:r>
+            <a:r>
+              <a:rPr lang="fr-FR" dirty="0" smtClean="0"/>
+              <a:t> </a:t>
+            </a:r>
+            <a:endParaRPr lang="fr-FR" dirty="0"/>
+          </a:p>
+        </p:txBody>
+      </p:sp>
+    </p:spTree>
+    <p:extLst>
+      <p:ext uri="{BB962C8B-B14F-4D97-AF65-F5344CB8AC3E}">
+        <p14:creationId xmlns:p14="http://schemas.microsoft.com/office/powerpoint/2010/main" val="2078528004"/>
+      </p:ext>
+    </p:extLst>
+  </p:cSld>
+  <p:clrMapOvr>
+    <a:masterClrMapping/>
+  </p:clrMapOvr>
+</p:sld>
+</file>
+
+<file path=ppt/slides/slide6.xml><?xml version="1.0" encoding="utf-8"?>
+<p:sld xmlns:a="http://schemas.openxmlformats.org/drawingml/2006/main" xmlns:r="http://schemas.openxmlformats.org/officeDocument/2006/relationships" xmlns:p="http://schemas.openxmlformats.org/presentationml/2006/main">
+  <p:cSld>
+    <p:spTree>
+      <p:nvGrpSpPr>
+        <p:cNvPr id="1" name=""/>
+        <p:cNvGrpSpPr/>
+        <p:nvPr/>
+      </p:nvGrpSpPr>
+      <p:grpSpPr>
+        <a:xfrm>
+          <a:off x="0" y="0"/>
+          <a:ext cx="0" cy="0"/>
+          <a:chOff x="0" y="0"/>
+          <a:chExt cx="0" cy="0"/>
+        </a:xfrm>
+      </p:grpSpPr>
+      <p:sp>
+        <p:nvSpPr>
+          <p:cNvPr id="2" name="Titre 1"/>
+          <p:cNvSpPr>
+            <a:spLocks noGrp="1"/>
+          </p:cNvSpPr>
+          <p:nvPr>
+            <p:ph type="title"/>
+          </p:nvPr>
+        </p:nvSpPr>
+        <p:spPr/>
+        <p:txBody>
+          <a:bodyPr>
+            <a:normAutofit/>
+          </a:bodyPr>
+          <a:lstStyle/>
+          <a:p>
+            <a:r>
+              <a:rPr lang="fr-FR" dirty="0"/>
+              <a:t>Et arrive </a:t>
+            </a:r>
+            <a:r>
+              <a:rPr lang="fr-FR" dirty="0" smtClean="0"/>
+              <a:t>le </a:t>
+            </a:r>
+            <a:r>
+              <a:rPr lang="fr-FR" dirty="0" err="1"/>
+              <a:t>crowd</a:t>
+            </a:r>
+            <a:r>
+              <a:rPr lang="fr-FR" dirty="0"/>
+              <a:t> </a:t>
+            </a:r>
+            <a:r>
+              <a:rPr lang="fr-FR" dirty="0" err="1" smtClean="0"/>
+              <a:t>sourcing</a:t>
+            </a:r>
+            <a:endParaRPr lang="fr-FR" dirty="0"/>
+          </a:p>
+        </p:txBody>
+      </p:sp>
+      <p:sp>
+        <p:nvSpPr>
+          <p:cNvPr id="3" name="Espace réservé du contenu 2"/>
+          <p:cNvSpPr>
+            <a:spLocks noGrp="1"/>
+          </p:cNvSpPr>
+          <p:nvPr>
+            <p:ph idx="1"/>
+          </p:nvPr>
+        </p:nvSpPr>
+        <p:spPr>
+          <a:xfrm>
+            <a:off x="457200" y="1600200"/>
+            <a:ext cx="8686800" cy="4525963"/>
+          </a:xfrm>
+        </p:spPr>
+        <p:txBody>
+          <a:bodyPr/>
+          <a:lstStyle/>
+          <a:p>
+            <a:r>
+              <a:rPr lang="fr-FR" dirty="0" smtClean="0"/>
+              <a:t>Site web ouvert</a:t>
+            </a:r>
+          </a:p>
+          <a:p>
+            <a:r>
+              <a:rPr lang="fr-FR" dirty="0" smtClean="0"/>
+              <a:t>Contribution simple</a:t>
+            </a:r>
+          </a:p>
+          <a:p>
+            <a:r>
+              <a:rPr lang="fr-FR" dirty="0" err="1" smtClean="0"/>
+              <a:t>Workflow</a:t>
+            </a:r>
+            <a:r>
+              <a:rPr lang="fr-FR" dirty="0" smtClean="0"/>
+              <a:t> de validation (</a:t>
+            </a:r>
+            <a:r>
+              <a:rPr lang="fr-FR" dirty="0" err="1" smtClean="0"/>
+              <a:t>editeurs</a:t>
+            </a:r>
+            <a:r>
+              <a:rPr lang="fr-FR" dirty="0" smtClean="0"/>
+              <a:t>, contributeurs)</a:t>
+            </a:r>
+          </a:p>
+          <a:p>
+            <a:r>
+              <a:rPr lang="fr-FR" dirty="0" smtClean="0"/>
+              <a:t>Statistiques</a:t>
+            </a:r>
+          </a:p>
+          <a:p>
+            <a:endParaRPr lang="fr-FR" dirty="0"/>
+          </a:p>
+        </p:txBody>
+      </p:sp>
+    </p:spTree>
+    <p:extLst>
+      <p:ext uri="{BB962C8B-B14F-4D97-AF65-F5344CB8AC3E}">
+        <p14:creationId xmlns:p14="http://schemas.microsoft.com/office/powerpoint/2010/main" val="921606941"/>
+      </p:ext>
+    </p:extLst>
+  </p:cSld>
+  <p:clrMapOvr>
+    <a:masterClrMapping/>
+  </p:clrMapOvr>
+</p:sld>
+</file>
+
+<file path=ppt/slides/slide7.xml><?xml version="1.0" encoding="utf-8"?>
+<p:sld xmlns:a="http://schemas.openxmlformats.org/drawingml/2006/main" xmlns:r="http://schemas.openxmlformats.org/officeDocument/2006/relationships" xmlns:p="http://schemas.openxmlformats.org/presentationml/2006/main">
+  <p:cSld>
+    <p:spTree>
+      <p:nvGrpSpPr>
+        <p:cNvPr id="1" name=""/>
+        <p:cNvGrpSpPr/>
+        <p:nvPr/>
+      </p:nvGrpSpPr>
+      <p:grpSpPr>
+        <a:xfrm>
+          <a:off x="0" y="0"/>
+          <a:ext cx="0" cy="0"/>
+          <a:chOff x="0" y="0"/>
+          <a:chExt cx="0" cy="0"/>
+        </a:xfrm>
+      </p:grpSpPr>
+      <p:sp>
+        <p:nvSpPr>
+          <p:cNvPr id="2" name="Titre 1"/>
+          <p:cNvSpPr>
+            <a:spLocks noGrp="1"/>
+          </p:cNvSpPr>
+          <p:nvPr>
+            <p:ph type="title"/>
+          </p:nvPr>
+        </p:nvSpPr>
+        <p:spPr/>
+        <p:txBody>
+          <a:bodyPr/>
+          <a:lstStyle/>
+          <a:p>
+            <a:r>
+              <a:rPr lang="fr-FR" dirty="0" err="1" smtClean="0"/>
+              <a:t>Crowd</a:t>
+            </a:r>
+            <a:r>
+              <a:rPr lang="fr-FR" dirty="0" smtClean="0"/>
+              <a:t> </a:t>
+            </a:r>
+            <a:r>
+              <a:rPr lang="fr-FR" dirty="0" err="1" smtClean="0"/>
+              <a:t>Sourcing</a:t>
+            </a:r>
+            <a:endParaRPr lang="fr-FR" dirty="0"/>
+          </a:p>
+        </p:txBody>
+      </p:sp>
+      <p:sp>
+        <p:nvSpPr>
+          <p:cNvPr id="3" name="Espace réservé du contenu 2"/>
+          <p:cNvSpPr>
+            <a:spLocks noGrp="1"/>
+          </p:cNvSpPr>
+          <p:nvPr>
+            <p:ph idx="1"/>
+          </p:nvPr>
+        </p:nvSpPr>
+        <p:spPr/>
+        <p:txBody>
+          <a:bodyPr/>
+          <a:lstStyle/>
+          <a:p>
+            <a:r>
+              <a:rPr lang="fr-FR" dirty="0" err="1"/>
+              <a:t>g</a:t>
+            </a:r>
+            <a:r>
+              <a:rPr lang="fr-FR" dirty="0" err="1" smtClean="0"/>
+              <a:t>et-localisation.com</a:t>
+            </a:r>
+            <a:endParaRPr lang="fr-FR" dirty="0" smtClean="0"/>
+          </a:p>
+          <a:p>
+            <a:r>
+              <a:rPr lang="fr-FR" dirty="0" err="1" smtClean="0"/>
+              <a:t>MyGengo</a:t>
+            </a:r>
+            <a:endParaRPr lang="fr-FR" dirty="0" smtClean="0"/>
+          </a:p>
+          <a:p>
+            <a:r>
+              <a:rPr lang="fr-FR" dirty="0" err="1" smtClean="0"/>
+              <a:t>Crowdin.net</a:t>
+            </a:r>
+            <a:endParaRPr lang="fr-FR" dirty="0" smtClean="0"/>
+          </a:p>
+          <a:p>
+            <a:endParaRPr lang="fr-FR" dirty="0"/>
+          </a:p>
+        </p:txBody>
+      </p:sp>
+    </p:spTree>
+    <p:extLst>
+      <p:ext uri="{BB962C8B-B14F-4D97-AF65-F5344CB8AC3E}">
+        <p14:creationId xmlns:p14="http://schemas.microsoft.com/office/powerpoint/2010/main" val="1178227274"/>
+      </p:ext>
+    </p:extLst>
+  </p:cSld>
+  <p:clrMapOvr>
+    <a:masterClrMapping/>
+  </p:clrMapOvr>
+</p:sld>
+</file>
+
+<file path=ppt/slides/slide8.xml><?xml version="1.0" encoding="utf-8"?>
+<p:sld xmlns:a="http://schemas.openxmlformats.org/drawingml/2006/main" xmlns:r="http://schemas.openxmlformats.org/officeDocument/2006/relationships" xmlns:p="http://schemas.openxmlformats.org/presentationml/2006/main">
+  <p:cSld>
+    <p:spTree>
+      <p:nvGrpSpPr>
+        <p:cNvPr id="1" name=""/>
+        <p:cNvGrpSpPr/>
+        <p:nvPr/>
+      </p:nvGrpSpPr>
+      <p:grpSpPr>
+        <a:xfrm>
+          <a:off x="0" y="0"/>
+          <a:ext cx="0" cy="0"/>
+          <a:chOff x="0" y="0"/>
+          <a:chExt cx="0" cy="0"/>
+        </a:xfrm>
+      </p:grpSpPr>
+      <p:sp>
+        <p:nvSpPr>
+          <p:cNvPr id="2" name="Titre 1"/>
+          <p:cNvSpPr>
+            <a:spLocks noGrp="1"/>
+          </p:cNvSpPr>
+          <p:nvPr>
+            <p:ph type="title"/>
+          </p:nvPr>
+        </p:nvSpPr>
+        <p:spPr/>
+        <p:txBody>
+          <a:bodyPr/>
+          <a:lstStyle/>
+          <a:p>
+            <a:r>
+              <a:rPr lang="fr-FR" dirty="0" smtClean="0"/>
               <a:t>Des outils</a:t>
             </a:r>
             <a:endParaRPr lang="fr-FR" dirty="0"/>
@@ -3570,7 +4141,7 @@
         </p:spPr>
         <p:txBody>
           <a:bodyPr anchor="ctr">
-            <a:normAutofit fontScale="62500" lnSpcReduction="20000"/>
+            <a:normAutofit fontScale="55000" lnSpcReduction="20000"/>
           </a:bodyPr>
           <a:lstStyle/>
           <a:p>
@@ -3628,6 +4199,9 @@
               <a:rPr lang="it-IT" sz="4400" dirty="0" smtClean="0"/>
               <a:t> API</a:t>
             </a:r>
+          </a:p>
+          <a:p>
+            <a:endParaRPr lang="it-IT" sz="4400" dirty="0" smtClean="0"/>
           </a:p>
           <a:p>
             <a:pPr marL="0" indent="0">
@@ -3689,7 +4263,7 @@
 </p:sld>
 </file>
 
-<file path=ppt/slides/slide5.xml><?xml version="1.0" encoding="utf-8"?>
+<file path=ppt/slides/slide9.xml><?xml version="1.0" encoding="utf-8"?>
 <p:sld xmlns:a="http://schemas.openxmlformats.org/drawingml/2006/main" xmlns:r="http://schemas.openxmlformats.org/officeDocument/2006/relationships" xmlns:p="http://schemas.openxmlformats.org/presentationml/2006/main">
   <p:cSld>
     <p:spTree>

--- a/ez18n-slides/ez18n_crowdsourcing.pptx
+++ b/ez18n-slides/ez18n_crowdsourcing.pptx
@@ -6,14 +6,16 @@
   </p:sldMasterIdLst>
   <p:sldIdLst>
     <p:sldId id="256" r:id="rId2"/>
-    <p:sldId id="260" r:id="rId3"/>
-    <p:sldId id="261" r:id="rId4"/>
-    <p:sldId id="263" r:id="rId5"/>
-    <p:sldId id="266" r:id="rId6"/>
-    <p:sldId id="265" r:id="rId7"/>
-    <p:sldId id="264" r:id="rId8"/>
-    <p:sldId id="259" r:id="rId9"/>
-    <p:sldId id="262" r:id="rId10"/>
+    <p:sldId id="269" r:id="rId3"/>
+    <p:sldId id="260" r:id="rId4"/>
+    <p:sldId id="261" r:id="rId5"/>
+    <p:sldId id="263" r:id="rId6"/>
+    <p:sldId id="266" r:id="rId7"/>
+    <p:sldId id="265" r:id="rId8"/>
+    <p:sldId id="264" r:id="rId9"/>
+    <p:sldId id="268" r:id="rId10"/>
+    <p:sldId id="270" r:id="rId11"/>
+    <p:sldId id="271" r:id="rId12"/>
   </p:sldIdLst>
   <p:sldSz cx="9144000" cy="6858000" type="screen4x3"/>
   <p:notesSz cx="6858000" cy="9144000"/>
@@ -3178,7 +3180,7 @@
             </a:r>
             <a:r>
               <a:rPr lang="en-US" dirty="0" smtClean="0"/>
-              <a:t>18n le crowd sourcing</a:t>
+              <a:t>18n for ever !</a:t>
             </a:r>
             <a:endParaRPr lang="fr-FR" dirty="0"/>
           </a:p>
@@ -3221,6 +3223,408 @@
   <p:clrMapOvr>
     <a:masterClrMapping/>
   </p:clrMapOvr>
+  <p:timing>
+    <p:tnLst>
+      <p:par>
+        <p:cTn xmlns:p14="http://schemas.microsoft.com/office/powerpoint/2010/main" id="1" dur="indefinite" restart="never" nodeType="tmRoot"/>
+      </p:par>
+    </p:tnLst>
+  </p:timing>
+</p:sld>
+</file>
+
+<file path=ppt/slides/slide10.xml><?xml version="1.0" encoding="utf-8"?>
+<p:sld xmlns:a="http://schemas.openxmlformats.org/drawingml/2006/main" xmlns:r="http://schemas.openxmlformats.org/officeDocument/2006/relationships" xmlns:p="http://schemas.openxmlformats.org/presentationml/2006/main">
+  <p:cSld>
+    <p:spTree>
+      <p:nvGrpSpPr>
+        <p:cNvPr id="1" name=""/>
+        <p:cNvGrpSpPr/>
+        <p:nvPr/>
+      </p:nvGrpSpPr>
+      <p:grpSpPr>
+        <a:xfrm>
+          <a:off x="0" y="0"/>
+          <a:ext cx="0" cy="0"/>
+          <a:chOff x="0" y="0"/>
+          <a:chExt cx="0" cy="0"/>
+        </a:xfrm>
+      </p:grpSpPr>
+      <p:sp>
+        <p:nvSpPr>
+          <p:cNvPr id="2" name="Titre 1"/>
+          <p:cNvSpPr>
+            <a:spLocks noGrp="1"/>
+          </p:cNvSpPr>
+          <p:nvPr>
+            <p:ph type="title"/>
+          </p:nvPr>
+        </p:nvSpPr>
+        <p:spPr/>
+        <p:txBody>
+          <a:bodyPr/>
+          <a:lstStyle/>
+          <a:p>
+            <a:r>
+              <a:rPr lang="fr-FR" dirty="0" smtClean="0"/>
+              <a:t>Le sommet de l’iceberg</a:t>
+            </a:r>
+            <a:endParaRPr lang="fr-FR" dirty="0"/>
+          </a:p>
+        </p:txBody>
+      </p:sp>
+      <p:sp>
+        <p:nvSpPr>
+          <p:cNvPr id="3" name="Espace réservé du contenu 2"/>
+          <p:cNvSpPr>
+            <a:spLocks noGrp="1"/>
+          </p:cNvSpPr>
+          <p:nvPr>
+            <p:ph idx="1"/>
+          </p:nvPr>
+        </p:nvSpPr>
+        <p:spPr/>
+        <p:txBody>
+          <a:bodyPr/>
+          <a:lstStyle/>
+          <a:p>
+            <a:r>
+              <a:rPr lang="fr-FR" dirty="0" smtClean="0"/>
+              <a:t>Google Translate</a:t>
+            </a:r>
+            <a:endParaRPr lang="fr-FR" dirty="0"/>
+          </a:p>
+          <a:p>
+            <a:pPr lvl="1"/>
+            <a:r>
+              <a:rPr lang="en-US" dirty="0">
+                <a:hlinkClick r:id="rId2"/>
+              </a:rPr>
+              <a:t>http://</a:t>
+            </a:r>
+            <a:r>
+              <a:rPr lang="en-US" dirty="0" smtClean="0">
+                <a:hlinkClick r:id="rId2"/>
+              </a:rPr>
+              <a:t>translate.google.com</a:t>
+            </a:r>
+            <a:endParaRPr lang="en-US" dirty="0" smtClean="0"/>
+          </a:p>
+          <a:p>
+            <a:endParaRPr lang="en-US" dirty="0" smtClean="0"/>
+          </a:p>
+          <a:p>
+            <a:r>
+              <a:rPr lang="en-US" dirty="0" err="1" smtClean="0"/>
+              <a:t>Mais</a:t>
+            </a:r>
+            <a:r>
+              <a:rPr lang="en-US" dirty="0" smtClean="0"/>
+              <a:t> derrière</a:t>
+            </a:r>
+          </a:p>
+          <a:p>
+            <a:pPr lvl="1"/>
+            <a:r>
+              <a:rPr lang="en-US" dirty="0" smtClean="0">
+                <a:hlinkClick r:id="rId3"/>
+              </a:rPr>
+              <a:t>http</a:t>
+            </a:r>
+            <a:r>
+              <a:rPr lang="en-US" dirty="0">
+                <a:hlinkClick r:id="rId3"/>
+              </a:rPr>
+              <a:t>://translate.google.com/</a:t>
+            </a:r>
+            <a:r>
+              <a:rPr lang="en-US" dirty="0" smtClean="0">
+                <a:hlinkClick r:id="rId3"/>
+              </a:rPr>
+              <a:t>toolkit</a:t>
+            </a:r>
+            <a:endParaRPr lang="en-US" dirty="0" smtClean="0"/>
+          </a:p>
+          <a:p>
+            <a:pPr lvl="1"/>
+            <a:endParaRPr lang="fr-FR" dirty="0"/>
+          </a:p>
+          <a:p>
+            <a:endParaRPr lang="fr-FR" dirty="0"/>
+          </a:p>
+        </p:txBody>
+      </p:sp>
+    </p:spTree>
+    <p:extLst>
+      <p:ext uri="{BB962C8B-B14F-4D97-AF65-F5344CB8AC3E}">
+        <p14:creationId xmlns:p14="http://schemas.microsoft.com/office/powerpoint/2010/main" val="417305994"/>
+      </p:ext>
+    </p:extLst>
+  </p:cSld>
+  <p:clrMapOvr>
+    <a:masterClrMapping/>
+  </p:clrMapOvr>
+</p:sld>
+</file>
+
+<file path=ppt/slides/slide11.xml><?xml version="1.0" encoding="utf-8"?>
+<p:sld xmlns:a="http://schemas.openxmlformats.org/drawingml/2006/main" xmlns:r="http://schemas.openxmlformats.org/officeDocument/2006/relationships" xmlns:p="http://schemas.openxmlformats.org/presentationml/2006/main">
+  <p:cSld>
+    <p:spTree>
+      <p:nvGrpSpPr>
+        <p:cNvPr id="1" name=""/>
+        <p:cNvGrpSpPr/>
+        <p:nvPr/>
+      </p:nvGrpSpPr>
+      <p:grpSpPr>
+        <a:xfrm>
+          <a:off x="0" y="0"/>
+          <a:ext cx="0" cy="0"/>
+          <a:chOff x="0" y="0"/>
+          <a:chExt cx="0" cy="0"/>
+        </a:xfrm>
+      </p:grpSpPr>
+      <p:sp>
+        <p:nvSpPr>
+          <p:cNvPr id="3" name="Espace réservé du numéro de diapositive 3"/>
+          <p:cNvSpPr>
+            <a:spLocks noGrp="1"/>
+          </p:cNvSpPr>
+          <p:nvPr>
+            <p:ph type="sldNum" sz="quarter" idx="10"/>
+          </p:nvPr>
+        </p:nvSpPr>
+        <p:spPr/>
+        <p:txBody>
+          <a:bodyPr/>
+          <a:lstStyle/>
+          <a:p>
+            <a:fld id="{491EF83F-DC3D-2B41-8CED-EDA4CF3DA041}" type="slidenum">
+              <a:rPr lang="en-US"/>
+              <a:pPr/>
+              <a:t>11</a:t>
+            </a:fld>
+            <a:endParaRPr lang="en-US"/>
+          </a:p>
+        </p:txBody>
+      </p:sp>
+      <p:sp>
+        <p:nvSpPr>
+          <p:cNvPr id="2" name="Rectangle 1"/>
+          <p:cNvSpPr/>
+          <p:nvPr/>
+        </p:nvSpPr>
+        <p:spPr>
+          <a:xfrm>
+            <a:off x="2514600" y="4419600"/>
+            <a:ext cx="4422835" cy="427502"/>
+          </a:xfrm>
+          <a:prstGeom prst="rect">
+            <a:avLst/>
+          </a:prstGeom>
+        </p:spPr>
+        <p:txBody>
+          <a:bodyPr wrap="square" lIns="57607" tIns="28804" rIns="57607" bIns="28804">
+            <a:spAutoFit/>
+          </a:bodyPr>
+          <a:lstStyle/>
+          <a:p>
+            <a:r>
+              <a:rPr lang="en-US" sz="2400" dirty="0"/>
+              <a:t>https://</a:t>
+            </a:r>
+            <a:r>
+              <a:rPr lang="en-US" sz="2400" dirty="0" err="1"/>
+              <a:t>github.com</a:t>
+            </a:r>
+            <a:r>
+              <a:rPr lang="en-US" sz="2400" dirty="0"/>
+              <a:t>/</a:t>
+            </a:r>
+            <a:r>
+              <a:rPr lang="en-US" sz="2400" dirty="0" err="1"/>
+              <a:t>dbaeli</a:t>
+            </a:r>
+            <a:r>
+              <a:rPr lang="en-US" sz="2400" dirty="0" smtClean="0"/>
+              <a:t>/ez18n</a:t>
+            </a:r>
+            <a:endParaRPr lang="fr-FR" sz="2400" dirty="0"/>
+          </a:p>
+        </p:txBody>
+      </p:sp>
+      <p:sp>
+        <p:nvSpPr>
+          <p:cNvPr id="4" name="Titre 3"/>
+          <p:cNvSpPr>
+            <a:spLocks noGrp="1"/>
+          </p:cNvSpPr>
+          <p:nvPr>
+            <p:ph type="title"/>
+          </p:nvPr>
+        </p:nvSpPr>
+        <p:spPr>
+          <a:xfrm>
+            <a:off x="533400" y="1754814"/>
+            <a:ext cx="7843838" cy="902196"/>
+          </a:xfrm>
+        </p:spPr>
+        <p:txBody>
+          <a:bodyPr>
+            <a:normAutofit fontScale="90000"/>
+          </a:bodyPr>
+          <a:lstStyle/>
+          <a:p>
+            <a:r>
+              <a:rPr lang="fr-FR" dirty="0" smtClean="0"/>
+              <a:t>Merci !</a:t>
+            </a:r>
+            <a:br>
+              <a:rPr lang="fr-FR" dirty="0" smtClean="0"/>
+            </a:br>
+            <a:r>
+              <a:rPr lang="fr-FR" dirty="0" smtClean="0"/>
+              <a:t/>
+            </a:r>
+            <a:br>
+              <a:rPr lang="fr-FR" dirty="0" smtClean="0"/>
+            </a:br>
+            <a:r>
+              <a:rPr lang="fr-FR" dirty="0" smtClean="0"/>
+              <a:t>Just </a:t>
+            </a:r>
+            <a:r>
+              <a:rPr lang="fr-FR" dirty="0" err="1" smtClean="0"/>
+              <a:t>Fork</a:t>
+            </a:r>
+            <a:r>
+              <a:rPr lang="fr-FR" dirty="0" smtClean="0"/>
+              <a:t> </a:t>
+            </a:r>
+            <a:r>
+              <a:rPr lang="fr-FR" dirty="0" err="1" smtClean="0"/>
+              <a:t>it</a:t>
+            </a:r>
+            <a:r>
+              <a:rPr lang="fr-FR" dirty="0" smtClean="0"/>
+              <a:t> </a:t>
+            </a:r>
+            <a:r>
+              <a:rPr lang="fr-FR" dirty="0" smtClean="0"/>
+              <a:t>@</a:t>
+            </a:r>
+            <a:r>
+              <a:rPr lang="fr-FR" dirty="0" err="1" smtClean="0"/>
+              <a:t>github</a:t>
+            </a:r>
+            <a:r>
+              <a:rPr lang="fr-FR" dirty="0" smtClean="0"/>
+              <a:t> !</a:t>
+            </a:r>
+            <a:endParaRPr lang="fr-FR" dirty="0"/>
+          </a:p>
+        </p:txBody>
+      </p:sp>
+      <p:pic>
+        <p:nvPicPr>
+          <p:cNvPr id="6" name="Picture 2" descr="C:\Users\gdu\Desktop\gilles\lapin\111591.jpg"/>
+          <p:cNvPicPr>
+            <a:picLocks noChangeAspect="1" noChangeArrowheads="1"/>
+          </p:cNvPicPr>
+          <p:nvPr/>
+        </p:nvPicPr>
+        <p:blipFill>
+          <a:blip r:embed="rId2">
+            <a:extLst>
+              <a:ext uri="{28A0092B-C50C-407E-A947-70E740481C1C}">
+                <a14:useLocalDpi xmlns:a14="http://schemas.microsoft.com/office/drawing/2010/main" val="0"/>
+              </a:ext>
+            </a:extLst>
+          </a:blip>
+          <a:srcRect/>
+          <a:stretch>
+            <a:fillRect/>
+          </a:stretch>
+        </p:blipFill>
+        <p:spPr bwMode="auto">
+          <a:xfrm flipH="1">
+            <a:off x="7086600" y="2819400"/>
+            <a:ext cx="1539715" cy="2711196"/>
+          </a:xfrm>
+          <a:prstGeom prst="rect">
+            <a:avLst/>
+          </a:prstGeom>
+          <a:noFill/>
+          <a:extLst>
+            <a:ext uri="{909E8E84-426E-40dd-AFC4-6F175D3DCCD1}">
+              <a14:hiddenFill xmlns:a14="http://schemas.microsoft.com/office/drawing/2010/main">
+                <a:solidFill>
+                  <a:srgbClr val="FFFFFF"/>
+                </a:solidFill>
+              </a14:hiddenFill>
+            </a:ext>
+          </a:extLst>
+        </p:spPr>
+      </p:pic>
+      <p:pic>
+        <p:nvPicPr>
+          <p:cNvPr id="7" name="Picture 3" descr="C:\Users\gdu\Desktop\gilles\lapin\111594.jpg"/>
+          <p:cNvPicPr>
+            <a:picLocks noChangeAspect="1" noChangeArrowheads="1"/>
+          </p:cNvPicPr>
+          <p:nvPr/>
+        </p:nvPicPr>
+        <p:blipFill>
+          <a:blip r:embed="rId3">
+            <a:extLst>
+              <a:ext uri="{28A0092B-C50C-407E-A947-70E740481C1C}">
+                <a14:useLocalDpi xmlns:a14="http://schemas.microsoft.com/office/drawing/2010/main" val="0"/>
+              </a:ext>
+            </a:extLst>
+          </a:blip>
+          <a:srcRect/>
+          <a:stretch>
+            <a:fillRect/>
+          </a:stretch>
+        </p:blipFill>
+        <p:spPr bwMode="auto">
+          <a:xfrm flipH="1">
+            <a:off x="381000" y="2895600"/>
+            <a:ext cx="1456873" cy="2948940"/>
+          </a:xfrm>
+          <a:prstGeom prst="rect">
+            <a:avLst/>
+          </a:prstGeom>
+          <a:noFill/>
+          <a:extLst>
+            <a:ext uri="{909E8E84-426E-40dd-AFC4-6F175D3DCCD1}">
+              <a14:hiddenFill xmlns:a14="http://schemas.microsoft.com/office/drawing/2010/main">
+                <a:solidFill>
+                  <a:srgbClr val="FFFFFF"/>
+                </a:solidFill>
+              </a14:hiddenFill>
+            </a:ext>
+          </a:extLst>
+        </p:spPr>
+      </p:pic>
+    </p:spTree>
+    <p:extLst>
+      <p:ext uri="{BB962C8B-B14F-4D97-AF65-F5344CB8AC3E}">
+        <p14:creationId xmlns:p14="http://schemas.microsoft.com/office/powerpoint/2010/main" val="3212741215"/>
+      </p:ext>
+    </p:extLst>
+  </p:cSld>
+  <p:clrMapOvr>
+    <a:masterClrMapping/>
+  </p:clrMapOvr>
+  <mc:AlternateContent xmlns:mc="http://schemas.openxmlformats.org/markup-compatibility/2006">
+    <mc:Choice xmlns:p14="http://schemas.microsoft.com/office/powerpoint/2010/main" Requires="p14">
+      <p:transition spd="slow" p14:dur="2000"/>
+    </mc:Choice>
+    <mc:Fallback>
+      <p:transition xmlns:p14="http://schemas.microsoft.com/office/powerpoint/2010/main" spd="slow"/>
+    </mc:Fallback>
+  </mc:AlternateContent>
   <p:timing>
     <p:tnLst>
       <p:par>
@@ -3265,7 +3669,7 @@
           <a:p>
             <a:r>
               <a:rPr lang="fr-FR" dirty="0" smtClean="0"/>
-              <a:t>Externaliser l’Internalisation!</a:t>
+              <a:t>Besoin de gouvernance</a:t>
             </a:r>
             <a:endParaRPr lang="fr-FR" dirty="0"/>
           </a:p>
@@ -3283,94 +3687,48 @@
         </p:nvSpPr>
         <p:spPr/>
         <p:txBody>
-          <a:bodyPr>
-            <a:normAutofit fontScale="92500" lnSpcReduction="20000"/>
-          </a:bodyPr>
-          <a:lstStyle/>
-          <a:p>
-            <a:r>
-              <a:rPr lang="fr-FR" dirty="0" smtClean="0"/>
-              <a:t>Les langues non maitrisées par l’équipe</a:t>
-            </a:r>
-          </a:p>
+          <a:bodyPr/>
+          <a:lstStyle/>
           <a:p>
             <a:endParaRPr lang="fr-FR" dirty="0" smtClean="0"/>
           </a:p>
           <a:p>
             <a:r>
               <a:rPr lang="fr-FR" dirty="0" smtClean="0"/>
-              <a:t>Fichier </a:t>
-            </a:r>
-            <a:r>
-              <a:rPr lang="fr-FR" dirty="0" err="1" smtClean="0"/>
-              <a:t>excel</a:t>
-            </a:r>
-            <a:r>
-              <a:rPr lang="fr-FR" dirty="0" smtClean="0"/>
-              <a:t> ?</a:t>
-            </a:r>
-          </a:p>
-          <a:p>
-            <a:pPr lvl="1"/>
-            <a:r>
-              <a:rPr lang="fr-FR" dirty="0" smtClean="0"/>
-              <a:t>Ok mais on intègre comment ?</a:t>
-            </a:r>
-          </a:p>
-          <a:p>
-            <a:pPr lvl="1"/>
-            <a:r>
-              <a:rPr lang="fr-FR" dirty="0" smtClean="0"/>
-              <a:t>Gestion de source ?</a:t>
-            </a:r>
-          </a:p>
-          <a:p>
-            <a:pPr lvl="1"/>
+              <a:t>Gestion de plusieurs langues </a:t>
+            </a:r>
+          </a:p>
+          <a:p>
+            <a:r>
+              <a:rPr lang="fr-FR" dirty="0" smtClean="0"/>
+              <a:t>Maintenance par les développeurs</a:t>
+            </a:r>
+          </a:p>
+          <a:p>
+            <a:r>
+              <a:rPr lang="fr-FR" dirty="0" smtClean="0"/>
+              <a:t>Externalisation à des traducteurs</a:t>
+            </a:r>
+          </a:p>
+          <a:p>
+            <a:r>
+              <a:rPr lang="fr-FR" dirty="0" smtClean="0"/>
+              <a:t>Intégration et synchronisation</a:t>
+            </a:r>
+          </a:p>
+          <a:p>
+            <a:r>
+              <a:rPr lang="fr-FR" dirty="0" smtClean="0"/>
+              <a:t>Accepter corrections tardives</a:t>
+            </a:r>
+          </a:p>
+          <a:p>
             <a:endParaRPr lang="fr-FR" dirty="0" smtClean="0"/>
           </a:p>
           <a:p>
-            <a:r>
-              <a:rPr lang="fr-FR" dirty="0" smtClean="0"/>
-              <a:t>Outils de gestion de localisation</a:t>
-            </a:r>
-          </a:p>
-          <a:p>
-            <a:pPr lvl="1"/>
-            <a:r>
-              <a:rPr lang="en-US" dirty="0">
-                <a:hlinkClick r:id="rId2"/>
-              </a:rPr>
-              <a:t>http://www.i18nguy.com/</a:t>
-            </a:r>
-            <a:r>
-              <a:rPr lang="en-US" dirty="0" smtClean="0">
-                <a:hlinkClick r:id="rId2"/>
-              </a:rPr>
-              <a:t>TranslationTools.html</a:t>
-            </a:r>
-            <a:endParaRPr lang="en-US" dirty="0" smtClean="0"/>
-          </a:p>
-          <a:p>
-            <a:pPr lvl="1"/>
-            <a:r>
-              <a:rPr lang="fr-FR" dirty="0" err="1" smtClean="0"/>
-              <a:t>Built</a:t>
-            </a:r>
-            <a:r>
-              <a:rPr lang="fr-FR" dirty="0" smtClean="0"/>
-              <a:t>-in IDE</a:t>
-            </a:r>
-          </a:p>
-          <a:p>
-            <a:pPr lvl="1"/>
-            <a:r>
-              <a:rPr lang="fr-FR" dirty="0" smtClean="0"/>
-              <a:t>Edition simultanée de .</a:t>
-            </a:r>
-            <a:r>
-              <a:rPr lang="fr-FR" dirty="0" err="1" smtClean="0"/>
-              <a:t>properties</a:t>
-            </a:r>
+            <a:endParaRPr lang="fr-FR" dirty="0"/>
+          </a:p>
+          <a:p>
             <a:endParaRPr lang="fr-FR" dirty="0" smtClean="0"/>
           </a:p>
           <a:p>
@@ -3381,7 +3739,7 @@
     </p:spTree>
     <p:extLst>
       <p:ext uri="{BB962C8B-B14F-4D97-AF65-F5344CB8AC3E}">
-        <p14:creationId xmlns:p14="http://schemas.microsoft.com/office/powerpoint/2010/main" val="3597133846"/>
+        <p14:creationId xmlns:p14="http://schemas.microsoft.com/office/powerpoint/2010/main" val="3969077538"/>
       </p:ext>
     </p:extLst>
   </p:cSld>
@@ -3425,7 +3783,7 @@
           <a:p>
             <a:r>
               <a:rPr lang="fr-FR" dirty="0" smtClean="0"/>
-              <a:t>Vraiment pas satisfaisant</a:t>
+              <a:t>Externaliser l’Internalisation!</a:t>
             </a:r>
             <a:endParaRPr lang="fr-FR" dirty="0"/>
           </a:p>
@@ -3443,25 +3801,95 @@
         </p:nvSpPr>
         <p:spPr/>
         <p:txBody>
-          <a:bodyPr/>
-          <a:lstStyle/>
-          <a:p>
-            <a:r>
-              <a:rPr lang="fr-FR" dirty="0" smtClean="0"/>
-              <a:t>Trop proche du code source</a:t>
-            </a:r>
-          </a:p>
-          <a:p>
-            <a:r>
-              <a:rPr lang="fr-FR" dirty="0" smtClean="0"/>
-              <a:t>Cycle de vie très différent</a:t>
-            </a:r>
-          </a:p>
-          <a:p>
-            <a:r>
-              <a:rPr lang="fr-FR" dirty="0" smtClean="0"/>
-              <a:t>Dérangement de l’équipe R&amp;D</a:t>
-            </a:r>
+          <a:bodyPr>
+            <a:normAutofit fontScale="92500" lnSpcReduction="20000"/>
+          </a:bodyPr>
+          <a:lstStyle/>
+          <a:p>
+            <a:r>
+              <a:rPr lang="fr-FR" dirty="0" smtClean="0"/>
+              <a:t>Les langues non maitrisées par l’équipe</a:t>
+            </a:r>
+          </a:p>
+          <a:p>
+            <a:endParaRPr lang="fr-FR" dirty="0" smtClean="0"/>
+          </a:p>
+          <a:p>
+            <a:r>
+              <a:rPr lang="fr-FR" dirty="0" smtClean="0"/>
+              <a:t>Fichier </a:t>
+            </a:r>
+            <a:r>
+              <a:rPr lang="fr-FR" dirty="0" err="1" smtClean="0"/>
+              <a:t>excel</a:t>
+            </a:r>
+            <a:r>
+              <a:rPr lang="fr-FR" dirty="0" smtClean="0"/>
+              <a:t> ?</a:t>
+            </a:r>
+          </a:p>
+          <a:p>
+            <a:pPr lvl="1"/>
+            <a:r>
+              <a:rPr lang="fr-FR" dirty="0" smtClean="0"/>
+              <a:t>Ok mais on intègre comment ?</a:t>
+            </a:r>
+          </a:p>
+          <a:p>
+            <a:pPr lvl="1"/>
+            <a:r>
+              <a:rPr lang="fr-FR" dirty="0" smtClean="0"/>
+              <a:t>Gestion de source ?</a:t>
+            </a:r>
+          </a:p>
+          <a:p>
+            <a:pPr lvl="1"/>
+            <a:endParaRPr lang="fr-FR" dirty="0" smtClean="0"/>
+          </a:p>
+          <a:p>
+            <a:r>
+              <a:rPr lang="fr-FR" dirty="0" smtClean="0"/>
+              <a:t>Outils de gestion de localisation</a:t>
+            </a:r>
+          </a:p>
+          <a:p>
+            <a:pPr lvl="1"/>
+            <a:r>
+              <a:rPr lang="en-US" dirty="0">
+                <a:hlinkClick r:id="rId2"/>
+              </a:rPr>
+              <a:t>http://www.i18nguy.com/</a:t>
+            </a:r>
+            <a:r>
+              <a:rPr lang="en-US" dirty="0" smtClean="0">
+                <a:hlinkClick r:id="rId2"/>
+              </a:rPr>
+              <a:t>TranslationTools.html</a:t>
+            </a:r>
+            <a:endParaRPr lang="en-US" dirty="0" smtClean="0"/>
+          </a:p>
+          <a:p>
+            <a:pPr lvl="1"/>
+            <a:r>
+              <a:rPr lang="fr-FR" dirty="0" err="1" smtClean="0"/>
+              <a:t>Built</a:t>
+            </a:r>
+            <a:r>
+              <a:rPr lang="fr-FR" dirty="0" smtClean="0"/>
+              <a:t>-in IDE</a:t>
+            </a:r>
+          </a:p>
+          <a:p>
+            <a:pPr lvl="1"/>
+            <a:r>
+              <a:rPr lang="fr-FR" dirty="0" smtClean="0"/>
+              <a:t>Edition simultanée de .</a:t>
+            </a:r>
+            <a:r>
+              <a:rPr lang="fr-FR" dirty="0" err="1" smtClean="0"/>
+              <a:t>properties</a:t>
+            </a:r>
+            <a:endParaRPr lang="fr-FR" dirty="0" smtClean="0"/>
           </a:p>
           <a:p>
             <a:endParaRPr lang="fr-FR" dirty="0"/>
@@ -3471,7 +3899,7 @@
     </p:spTree>
     <p:extLst>
       <p:ext uri="{BB962C8B-B14F-4D97-AF65-F5344CB8AC3E}">
-        <p14:creationId xmlns:p14="http://schemas.microsoft.com/office/powerpoint/2010/main" val="2188604847"/>
+        <p14:creationId xmlns:p14="http://schemas.microsoft.com/office/powerpoint/2010/main" val="3597133846"/>
       </p:ext>
     </p:extLst>
   </p:cSld>
@@ -3515,7 +3943,7 @@
           <a:p>
             <a:r>
               <a:rPr lang="fr-FR" dirty="0" smtClean="0"/>
-              <a:t>Des idées de solutions ?</a:t>
+              <a:t>Vraiment pas satisfaisant</a:t>
             </a:r>
             <a:endParaRPr lang="fr-FR" dirty="0"/>
           </a:p>
@@ -3531,9 +3959,126 @@
             <p:ph idx="1"/>
           </p:nvPr>
         </p:nvSpPr>
-        <p:spPr/>
-        <p:txBody>
-          <a:bodyPr/>
+        <p:spPr>
+          <a:xfrm>
+            <a:off x="457200" y="2667000"/>
+            <a:ext cx="8229600" cy="3459163"/>
+          </a:xfrm>
+        </p:spPr>
+        <p:txBody>
+          <a:bodyPr/>
+          <a:lstStyle/>
+          <a:p>
+            <a:r>
+              <a:rPr lang="fr-FR" dirty="0" smtClean="0"/>
+              <a:t>Trop proche du code source</a:t>
+            </a:r>
+          </a:p>
+          <a:p>
+            <a:r>
+              <a:rPr lang="fr-FR" dirty="0" smtClean="0"/>
+              <a:t>Cycle de vie très différent</a:t>
+            </a:r>
+          </a:p>
+          <a:p>
+            <a:r>
+              <a:rPr lang="fr-FR" dirty="0" smtClean="0"/>
+              <a:t>Perturbations de l’équipe R&amp;D</a:t>
+            </a:r>
+          </a:p>
+          <a:p>
+            <a:r>
+              <a:rPr lang="fr-FR" dirty="0" smtClean="0"/>
+              <a:t>Il faut trouver autre chose !</a:t>
+            </a:r>
+            <a:endParaRPr lang="fr-FR" dirty="0"/>
+          </a:p>
+        </p:txBody>
+      </p:sp>
+    </p:spTree>
+    <p:extLst>
+      <p:ext uri="{BB962C8B-B14F-4D97-AF65-F5344CB8AC3E}">
+        <p14:creationId xmlns:p14="http://schemas.microsoft.com/office/powerpoint/2010/main" val="2188604847"/>
+      </p:ext>
+    </p:extLst>
+  </p:cSld>
+  <p:clrMapOvr>
+    <a:masterClrMapping/>
+  </p:clrMapOvr>
+</p:sld>
+</file>
+
+<file path=ppt/slides/slide5.xml><?xml version="1.0" encoding="utf-8"?>
+<p:sld xmlns:a="http://schemas.openxmlformats.org/drawingml/2006/main" xmlns:r="http://schemas.openxmlformats.org/officeDocument/2006/relationships" xmlns:p="http://schemas.openxmlformats.org/presentationml/2006/main">
+  <p:cSld>
+    <p:spTree>
+      <p:nvGrpSpPr>
+        <p:cNvPr id="1" name=""/>
+        <p:cNvGrpSpPr/>
+        <p:nvPr/>
+      </p:nvGrpSpPr>
+      <p:grpSpPr>
+        <a:xfrm>
+          <a:off x="0" y="0"/>
+          <a:ext cx="0" cy="0"/>
+          <a:chOff x="0" y="0"/>
+          <a:chExt cx="0" cy="0"/>
+        </a:xfrm>
+      </p:grpSpPr>
+      <p:sp>
+        <p:nvSpPr>
+          <p:cNvPr id="2" name="Titre 1"/>
+          <p:cNvSpPr>
+            <a:spLocks noGrp="1"/>
+          </p:cNvSpPr>
+          <p:nvPr>
+            <p:ph type="title"/>
+          </p:nvPr>
+        </p:nvSpPr>
+        <p:spPr/>
+        <p:txBody>
+          <a:bodyPr/>
+          <a:lstStyle/>
+          <a:p>
+            <a:r>
+              <a:rPr lang="fr-FR" dirty="0" smtClean="0"/>
+              <a:t>Not </a:t>
+            </a:r>
+            <a:r>
+              <a:rPr lang="fr-FR" dirty="0" err="1" smtClean="0"/>
+              <a:t>Invented</a:t>
+            </a:r>
+            <a:r>
+              <a:rPr lang="fr-FR" dirty="0" smtClean="0"/>
+              <a:t> </a:t>
+            </a:r>
+            <a:r>
+              <a:rPr lang="fr-FR" dirty="0" err="1" smtClean="0"/>
+              <a:t>Here</a:t>
+            </a:r>
+            <a:r>
+              <a:rPr lang="fr-FR" dirty="0" smtClean="0"/>
+              <a:t> - NIH</a:t>
+            </a:r>
+            <a:endParaRPr lang="fr-FR" dirty="0"/>
+          </a:p>
+        </p:txBody>
+      </p:sp>
+      <p:sp>
+        <p:nvSpPr>
+          <p:cNvPr id="3" name="Espace réservé du contenu 2"/>
+          <p:cNvSpPr>
+            <a:spLocks noGrp="1"/>
+          </p:cNvSpPr>
+          <p:nvPr>
+            <p:ph idx="1"/>
+          </p:nvPr>
+        </p:nvSpPr>
+        <p:spPr/>
+        <p:txBody>
+          <a:bodyPr>
+            <a:normAutofit/>
+          </a:bodyPr>
           <a:lstStyle/>
           <a:p>
             <a:r>
@@ -3565,8 +4110,28 @@
             </a:r>
             <a:r>
               <a:rPr lang="fr-FR" dirty="0"/>
-              <a:t> » - PHP Self-made</a:t>
-            </a:r>
+              <a:t> » - PHP Self-</a:t>
+            </a:r>
+            <a:r>
+              <a:rPr lang="fr-FR" dirty="0" smtClean="0"/>
+              <a:t>made</a:t>
+            </a:r>
+          </a:p>
+          <a:p>
+            <a:pPr lvl="2"/>
+            <a:r>
+              <a:rPr lang="en-US" dirty="0">
+                <a:hlinkClick r:id="rId2"/>
+              </a:rPr>
+              <a:t>http://www.bonitasoft.org/</a:t>
+            </a:r>
+            <a:r>
+              <a:rPr lang="en-US" dirty="0" smtClean="0">
+                <a:hlinkClick r:id="rId2"/>
+              </a:rPr>
+              <a:t>translations</a:t>
+            </a:r>
+            <a:endParaRPr lang="fr-FR" dirty="0"/>
           </a:p>
           <a:p>
             <a:pPr lvl="1"/>
@@ -3576,8 +4141,28 @@
             </a:r>
             <a:r>
               <a:rPr lang="fr-FR" dirty="0"/>
-              <a:t> Translations</a:t>
-            </a:r>
+              <a:t> </a:t>
+            </a:r>
+            <a:r>
+              <a:rPr lang="fr-FR" dirty="0" smtClean="0"/>
+              <a:t>Translations - Interne</a:t>
+            </a:r>
+          </a:p>
+          <a:p>
+            <a:pPr lvl="2"/>
+            <a:r>
+              <a:rPr lang="en-US" dirty="0">
+                <a:hlinkClick r:id="rId3"/>
+              </a:rPr>
+              <a:t>https://</a:t>
+            </a:r>
+            <a:r>
+              <a:rPr lang="en-US" dirty="0" smtClean="0">
+                <a:hlinkClick r:id="rId3"/>
+              </a:rPr>
+              <a:t>translations.atlassian.com</a:t>
+            </a:r>
+            <a:endParaRPr lang="fr-FR" dirty="0"/>
           </a:p>
           <a:p>
             <a:pPr lvl="1"/>
@@ -3590,9 +4175,59 @@
               <a:t> : </a:t>
             </a:r>
             <a:r>
-              <a:rPr lang="fr-FR" dirty="0" err="1"/>
+              <a:rPr lang="fr-FR" dirty="0" err="1" smtClean="0"/>
               <a:t>LifeRay</a:t>
             </a:r>
+            <a:r>
+              <a:rPr lang="fr-FR" dirty="0" smtClean="0"/>
+              <a:t> </a:t>
+            </a:r>
+            <a:r>
+              <a:rPr lang="fr-FR" dirty="0" smtClean="0"/>
+              <a:t>–</a:t>
+            </a:r>
+            <a:r>
+              <a:rPr lang="fr-FR" dirty="0" smtClean="0"/>
+              <a:t> Open Source </a:t>
+            </a:r>
+            <a:r>
+              <a:rPr lang="fr-FR" dirty="0" smtClean="0"/>
+              <a:t>…</a:t>
+            </a:r>
+            <a:endParaRPr lang="fr-FR" dirty="0" smtClean="0"/>
+          </a:p>
+          <a:p>
+            <a:pPr lvl="2"/>
+            <a:r>
+              <a:rPr lang="en-US" dirty="0">
+                <a:hlinkClick r:id="rId4"/>
+              </a:rPr>
+              <a:t>http://</a:t>
+            </a:r>
+            <a:r>
+              <a:rPr lang="en-US" dirty="0" smtClean="0">
+                <a:hlinkClick r:id="rId4"/>
+              </a:rPr>
+              <a:t>translate.liferay.com</a:t>
+            </a:r>
+            <a:endParaRPr lang="en-US" dirty="0" smtClean="0"/>
+          </a:p>
+          <a:p>
+            <a:pPr lvl="2"/>
+            <a:r>
+              <a:rPr lang="en-US" dirty="0">
+                <a:hlinkClick r:id="rId5"/>
+              </a:rPr>
+              <a:t>http://translate.sourceforge.net</a:t>
+            </a:r>
+            <a:endParaRPr lang="en-US" dirty="0"/>
+          </a:p>
+          <a:p>
+            <a:pPr lvl="2"/>
+            <a:endParaRPr lang="en-US" dirty="0" smtClean="0"/>
+          </a:p>
+          <a:p>
+            <a:pPr lvl="2"/>
             <a:endParaRPr lang="fr-FR" dirty="0"/>
           </a:p>
           <a:p>
@@ -3613,7 +4248,7 @@
 </p:sld>
 </file>
 
-<file path=ppt/slides/slide5.xml><?xml version="1.0" encoding="utf-8"?>
+<file path=ppt/slides/slide6.xml><?xml version="1.0" encoding="utf-8"?>
 <p:sld xmlns:a="http://schemas.openxmlformats.org/drawingml/2006/main" xmlns:r="http://schemas.openxmlformats.org/officeDocument/2006/relationships" xmlns:p="http://schemas.openxmlformats.org/presentationml/2006/main">
   <p:cSld>
     <p:spTree>
@@ -3847,137 +4482,6 @@
 </p:sld>
 </file>
 
-<file path=ppt/slides/slide6.xml><?xml version="1.0" encoding="utf-8"?>
-<p:sld xmlns:a="http://schemas.openxmlformats.org/drawingml/2006/main" xmlns:r="http://schemas.openxmlformats.org/officeDocument/2006/relationships" xmlns:p="http://schemas.openxmlformats.org/presentationml/2006/main">
-  <p:cSld>
-    <p:spTree>
-      <p:nvGrpSpPr>
-        <p:cNvPr id="1" name=""/>
-        <p:cNvGrpSpPr/>
-        <p:nvPr/>
-      </p:nvGrpSpPr>
-      <p:grpSpPr>
-        <a:xfrm>
-          <a:off x="0" y="0"/>
-          <a:ext cx="0" cy="0"/>
-          <a:chOff x="0" y="0"/>
-          <a:chExt cx="0" cy="0"/>
-        </a:xfrm>
-      </p:grpSpPr>
-      <p:sp>
-        <p:nvSpPr>
-          <p:cNvPr id="2" name="Titre 1"/>
-          <p:cNvSpPr>
-            <a:spLocks noGrp="1"/>
-          </p:cNvSpPr>
-          <p:nvPr>
-            <p:ph type="title"/>
-          </p:nvPr>
-        </p:nvSpPr>
-        <p:spPr/>
-        <p:txBody>
-          <a:bodyPr>
-            <a:normAutofit/>
-          </a:bodyPr>
-          <a:lstStyle/>
-          <a:p>
-            <a:r>
-              <a:rPr lang="fr-FR" dirty="0"/>
-              <a:t>Et arrive </a:t>
-            </a:r>
-            <a:r>
-              <a:rPr lang="fr-FR" dirty="0" smtClean="0"/>
-              <a:t>le </a:t>
-            </a:r>
-            <a:r>
-              <a:rPr lang="fr-FR" dirty="0" err="1"/>
-              <a:t>crowd</a:t>
-            </a:r>
-            <a:r>
-              <a:rPr lang="fr-FR" dirty="0"/>
-              <a:t> </a:t>
-            </a:r>
-            <a:r>
-              <a:rPr lang="fr-FR" dirty="0" err="1" smtClean="0"/>
-              <a:t>sourcing</a:t>
-            </a:r>
-            <a:endParaRPr lang="fr-FR" dirty="0"/>
-          </a:p>
-        </p:txBody>
-      </p:sp>
-      <p:sp>
-        <p:nvSpPr>
-          <p:cNvPr id="3" name="Espace réservé du contenu 2"/>
-          <p:cNvSpPr>
-            <a:spLocks noGrp="1"/>
-          </p:cNvSpPr>
-          <p:nvPr>
-            <p:ph idx="1"/>
-          </p:nvPr>
-        </p:nvSpPr>
-        <p:spPr>
-          <a:xfrm>
-            <a:off x="457200" y="1600200"/>
-            <a:ext cx="8686800" cy="4525963"/>
-          </a:xfrm>
-        </p:spPr>
-        <p:txBody>
-          <a:bodyPr/>
-          <a:lstStyle/>
-          <a:p>
-            <a:r>
-              <a:rPr lang="fr-FR" dirty="0" smtClean="0"/>
-              <a:t>Site web ouvert</a:t>
-            </a:r>
-          </a:p>
-          <a:p>
-            <a:r>
-              <a:rPr lang="fr-FR" dirty="0" smtClean="0"/>
-              <a:t>Contribution simple</a:t>
-            </a:r>
-          </a:p>
-          <a:p>
-            <a:r>
-              <a:rPr lang="fr-FR" dirty="0" err="1" smtClean="0"/>
-              <a:t>Workflow</a:t>
-            </a:r>
-            <a:r>
-              <a:rPr lang="fr-FR" dirty="0" smtClean="0"/>
-              <a:t> de validation (</a:t>
-            </a:r>
-            <a:r>
-              <a:rPr lang="fr-FR" dirty="0" err="1" smtClean="0"/>
-              <a:t>editeurs</a:t>
-            </a:r>
-            <a:r>
-              <a:rPr lang="fr-FR" dirty="0" smtClean="0"/>
-              <a:t>, contributeurs)</a:t>
-            </a:r>
-          </a:p>
-          <a:p>
-            <a:r>
-              <a:rPr lang="fr-FR" dirty="0" smtClean="0"/>
-              <a:t>Statistiques</a:t>
-            </a:r>
-          </a:p>
-          <a:p>
-            <a:endParaRPr lang="fr-FR" dirty="0"/>
-          </a:p>
-        </p:txBody>
-      </p:sp>
-    </p:spTree>
-    <p:extLst>
-      <p:ext uri="{BB962C8B-B14F-4D97-AF65-F5344CB8AC3E}">
-        <p14:creationId xmlns:p14="http://schemas.microsoft.com/office/powerpoint/2010/main" val="921606941"/>
-      </p:ext>
-    </p:extLst>
-  </p:cSld>
-  <p:clrMapOvr>
-    <a:masterClrMapping/>
-  </p:clrMapOvr>
-</p:sld>
-</file>
-
 <file path=ppt/slides/slide7.xml><?xml version="1.0" encoding="utf-8"?>
 <p:sld xmlns:a="http://schemas.openxmlformats.org/drawingml/2006/main" xmlns:r="http://schemas.openxmlformats.org/officeDocument/2006/relationships" xmlns:p="http://schemas.openxmlformats.org/presentationml/2006/main">
   <p:cSld>
@@ -4007,63 +4511,114 @@
         </p:nvSpPr>
         <p:spPr/>
         <p:txBody>
-          <a:bodyPr/>
-          <a:lstStyle/>
-          <a:p>
+          <a:bodyPr>
+            <a:normAutofit/>
+          </a:bodyPr>
+          <a:lstStyle/>
+          <a:p>
+            <a:r>
+              <a:rPr lang="fr-FR" dirty="0"/>
+              <a:t>Et arrive </a:t>
+            </a:r>
+            <a:r>
+              <a:rPr lang="fr-FR" dirty="0" smtClean="0"/>
+              <a:t>le </a:t>
+            </a:r>
+            <a:r>
+              <a:rPr lang="fr-FR" dirty="0" err="1"/>
+              <a:t>crowd</a:t>
+            </a:r>
+            <a:r>
+              <a:rPr lang="fr-FR" dirty="0"/>
+              <a:t> </a:t>
+            </a:r>
             <a:r>
               <a:rPr lang="fr-FR" dirty="0" err="1" smtClean="0"/>
-              <a:t>Crowd</a:t>
-            </a:r>
-            <a:r>
-              <a:rPr lang="fr-FR" dirty="0" smtClean="0"/>
-              <a:t> </a:t>
-            </a:r>
+              <a:t>sourcing</a:t>
+            </a:r>
+            <a:endParaRPr lang="fr-FR" dirty="0"/>
+          </a:p>
+        </p:txBody>
+      </p:sp>
+      <p:sp>
+        <p:nvSpPr>
+          <p:cNvPr id="3" name="Espace réservé du contenu 2"/>
+          <p:cNvSpPr>
+            <a:spLocks noGrp="1"/>
+          </p:cNvSpPr>
+          <p:nvPr>
+            <p:ph idx="1"/>
+          </p:nvPr>
+        </p:nvSpPr>
+        <p:spPr>
+          <a:xfrm>
+            <a:off x="457200" y="1600200"/>
+            <a:ext cx="8686800" cy="4525963"/>
+          </a:xfrm>
+        </p:spPr>
+        <p:txBody>
+          <a:bodyPr/>
+          <a:lstStyle/>
+          <a:p>
+            <a:r>
+              <a:rPr lang="fr-FR" dirty="0" smtClean="0"/>
+              <a:t>Site web ouvert</a:t>
+            </a:r>
+          </a:p>
+          <a:p>
+            <a:r>
+              <a:rPr lang="fr-FR" dirty="0" smtClean="0"/>
+              <a:t>Contribution simple</a:t>
+            </a:r>
+          </a:p>
+          <a:p>
             <a:r>
               <a:rPr lang="fr-FR" dirty="0" err="1" smtClean="0"/>
-              <a:t>Sourcing</a:t>
-            </a:r>
-            <a:endParaRPr lang="fr-FR" dirty="0"/>
-          </a:p>
-        </p:txBody>
-      </p:sp>
-      <p:sp>
-        <p:nvSpPr>
-          <p:cNvPr id="3" name="Espace réservé du contenu 2"/>
-          <p:cNvSpPr>
-            <a:spLocks noGrp="1"/>
-          </p:cNvSpPr>
-          <p:nvPr>
-            <p:ph idx="1"/>
-          </p:nvPr>
-        </p:nvSpPr>
-        <p:spPr/>
-        <p:txBody>
-          <a:bodyPr/>
-          <a:lstStyle/>
-          <a:p>
-            <a:r>
-              <a:rPr lang="fr-FR" dirty="0" err="1"/>
-              <a:t>g</a:t>
+              <a:t>Workflow</a:t>
+            </a:r>
+            <a:r>
+              <a:rPr lang="fr-FR" dirty="0" smtClean="0"/>
+              <a:t> de validation (</a:t>
             </a:r>
             <a:r>
               <a:rPr lang="fr-FR" dirty="0" err="1" smtClean="0"/>
-              <a:t>et-localisation.com</a:t>
-            </a:r>
-            <a:endParaRPr lang="fr-FR" dirty="0" smtClean="0"/>
-          </a:p>
-          <a:p>
-            <a:r>
-              <a:rPr lang="fr-FR" dirty="0" err="1" smtClean="0"/>
-              <a:t>MyGengo</a:t>
-            </a:r>
-            <a:endParaRPr lang="fr-FR" dirty="0" smtClean="0"/>
-          </a:p>
-          <a:p>
-            <a:r>
-              <a:rPr lang="fr-FR" dirty="0" err="1" smtClean="0"/>
-              <a:t>Crowdin.net</a:t>
-            </a:r>
-            <a:endParaRPr lang="fr-FR" dirty="0" smtClean="0"/>
+              <a:t>editeurs</a:t>
+            </a:r>
+            <a:r>
+              <a:rPr lang="fr-FR" dirty="0" smtClean="0"/>
+              <a:t>, contributeurs)</a:t>
+            </a:r>
+          </a:p>
+          <a:p>
+            <a:r>
+              <a:rPr lang="fr-FR" dirty="0" smtClean="0"/>
+              <a:t>Statistiques</a:t>
+            </a:r>
+          </a:p>
+          <a:p>
+            <a:pPr lvl="1"/>
+            <a:r>
+              <a:rPr lang="fr-FR" dirty="0" smtClean="0"/>
+              <a:t>% de couverture</a:t>
+            </a:r>
+          </a:p>
+          <a:p>
+            <a:pPr lvl="1"/>
+            <a:r>
+              <a:rPr lang="fr-FR" dirty="0" smtClean="0"/>
+              <a:t>T</a:t>
+            </a:r>
+            <a:r>
+              <a:rPr lang="fr-FR" dirty="0" smtClean="0"/>
+              <a:t>raductions validées</a:t>
+            </a:r>
+          </a:p>
+          <a:p>
+            <a:pPr lvl="1"/>
+            <a:r>
+              <a:rPr lang="fr-FR" dirty="0" smtClean="0"/>
+              <a:t>Qualité de la traduction</a:t>
+            </a:r>
           </a:p>
           <a:p>
             <a:endParaRPr lang="fr-FR" dirty="0"/>
@@ -4073,7 +4628,7 @@
     </p:spTree>
     <p:extLst>
       <p:ext uri="{BB962C8B-B14F-4D97-AF65-F5344CB8AC3E}">
-        <p14:creationId xmlns:p14="http://schemas.microsoft.com/office/powerpoint/2010/main" val="1178227274"/>
+        <p14:creationId xmlns:p14="http://schemas.microsoft.com/office/powerpoint/2010/main" val="921606941"/>
       </p:ext>
     </p:extLst>
   </p:cSld>
@@ -4117,7 +4672,7 @@
           <a:p>
             <a:r>
               <a:rPr lang="fr-FR" dirty="0" smtClean="0"/>
-              <a:t>Des outils</a:t>
+              <a:t>Des exemples</a:t>
             </a:r>
             <a:endParaRPr lang="fr-FR" dirty="0"/>
           </a:p>
@@ -4133,127 +4688,77 @@
             <p:ph idx="1"/>
           </p:nvPr>
         </p:nvSpPr>
-        <p:spPr>
-          <a:xfrm>
-            <a:off x="457200" y="1905000"/>
-            <a:ext cx="8229600" cy="2667000"/>
-          </a:xfrm>
-        </p:spPr>
-        <p:txBody>
-          <a:bodyPr anchor="ctr">
-            <a:normAutofit fontScale="55000" lnSpcReduction="20000"/>
-          </a:bodyPr>
-          <a:lstStyle/>
-          <a:p>
-            <a:pPr marL="0" indent="0">
-              <a:buNone/>
-            </a:pPr>
-            <a:r>
-              <a:rPr lang="it-IT" sz="4400" dirty="0" err="1" smtClean="0"/>
-              <a:t>MyGengo</a:t>
-            </a:r>
-            <a:r>
-              <a:rPr lang="it-IT" sz="4400" dirty="0" smtClean="0"/>
-              <a:t> :</a:t>
-            </a:r>
-          </a:p>
-          <a:p>
-            <a:r>
-              <a:rPr lang="it-IT" sz="4400" dirty="0" smtClean="0">
-                <a:hlinkClick r:id="rId2"/>
-              </a:rPr>
-              <a:t>http</a:t>
-            </a:r>
-            <a:r>
-              <a:rPr lang="it-IT" sz="4400" dirty="0">
-                <a:hlinkClick r:id="rId2"/>
-              </a:rPr>
-              <a:t>://</a:t>
-            </a:r>
-            <a:r>
-              <a:rPr lang="it-IT" sz="4400" dirty="0" smtClean="0">
-                <a:hlinkClick r:id="rId2"/>
-              </a:rPr>
-              <a:t>mygengo.com</a:t>
-            </a:r>
-            <a:endParaRPr lang="it-IT" sz="4400" dirty="0" smtClean="0"/>
-          </a:p>
-          <a:p>
-            <a:r>
-              <a:rPr lang="it-IT" sz="4400" dirty="0" smtClean="0"/>
-              <a:t>Service de </a:t>
-            </a:r>
-            <a:r>
-              <a:rPr lang="it-IT" sz="4400" dirty="0" err="1" smtClean="0"/>
-              <a:t>traduction</a:t>
-            </a:r>
-            <a:r>
-              <a:rPr lang="it-IT" sz="4400" dirty="0" smtClean="0"/>
-              <a:t> </a:t>
-            </a:r>
-            <a:r>
-              <a:rPr lang="it-IT" sz="4400" dirty="0" err="1" smtClean="0"/>
-              <a:t>avec</a:t>
-            </a:r>
-            <a:r>
-              <a:rPr lang="it-IT" sz="4400" dirty="0" smtClean="0"/>
-              <a:t> API</a:t>
-            </a:r>
-          </a:p>
-          <a:p>
-            <a:endParaRPr lang="it-IT" sz="4400" dirty="0" smtClean="0"/>
-          </a:p>
-          <a:p>
-            <a:pPr marL="0" indent="0">
-              <a:buNone/>
-            </a:pPr>
-            <a:r>
-              <a:rPr lang="en-US" sz="4400" dirty="0" err="1" smtClean="0"/>
-              <a:t>Pootle</a:t>
-            </a:r>
-            <a:r>
-              <a:rPr lang="en-US" sz="4400" dirty="0" smtClean="0"/>
-              <a:t> :</a:t>
-            </a:r>
-          </a:p>
-          <a:p>
-            <a:r>
-              <a:rPr lang="en-US" sz="4400" dirty="0" smtClean="0">
-                <a:hlinkClick r:id="rId3"/>
-              </a:rPr>
-              <a:t>http</a:t>
-            </a:r>
-            <a:r>
-              <a:rPr lang="en-US" sz="4400" dirty="0">
-                <a:hlinkClick r:id="rId3"/>
-              </a:rPr>
-              <a:t>://</a:t>
-            </a:r>
-            <a:r>
-              <a:rPr lang="en-US" sz="4400" dirty="0" smtClean="0">
-                <a:hlinkClick r:id="rId3"/>
-              </a:rPr>
-              <a:t>translate.sourceforge.net</a:t>
-            </a:r>
-            <a:endParaRPr lang="en-US" sz="4400" dirty="0" smtClean="0"/>
-          </a:p>
-          <a:p>
-            <a:r>
-              <a:rPr lang="en-US" sz="4400" dirty="0" err="1" smtClean="0"/>
-              <a:t>Exemple</a:t>
-            </a:r>
-            <a:r>
-              <a:rPr lang="en-US" sz="4400" dirty="0" smtClean="0"/>
-              <a:t> : </a:t>
-            </a:r>
-            <a:endParaRPr lang="fr-FR" sz="4400" dirty="0"/>
+        <p:spPr/>
+        <p:txBody>
+          <a:bodyPr/>
+          <a:lstStyle/>
+          <a:p>
+            <a:r>
+              <a:rPr lang="fr-FR" dirty="0" err="1" smtClean="0"/>
+              <a:t>Babili</a:t>
+            </a:r>
+            <a:endParaRPr lang="fr-FR" dirty="0" smtClean="0"/>
+          </a:p>
+          <a:p>
+            <a:pPr lvl="1"/>
+            <a:r>
+              <a:rPr lang="en-US" dirty="0"/>
+              <a:t>http://</a:t>
+            </a:r>
+            <a:r>
+              <a:rPr lang="en-US" dirty="0" err="1"/>
+              <a:t>www.bonitasoft.org</a:t>
+            </a:r>
+            <a:r>
+              <a:rPr lang="en-US" dirty="0"/>
+              <a:t>/</a:t>
+            </a:r>
+            <a:r>
+              <a:rPr lang="en-US" dirty="0" smtClean="0"/>
+              <a:t>translations</a:t>
+            </a:r>
+            <a:endParaRPr lang="fr-FR" dirty="0" smtClean="0"/>
+          </a:p>
+          <a:p>
+            <a:r>
+              <a:rPr lang="fr-FR" dirty="0" err="1" smtClean="0"/>
+              <a:t>Crowdin.net</a:t>
+            </a:r>
+            <a:endParaRPr lang="fr-FR" dirty="0" smtClean="0"/>
+          </a:p>
+          <a:p>
+            <a:pPr lvl="1"/>
+            <a:r>
+              <a:rPr lang="pl-PL" dirty="0"/>
+              <a:t>http://</a:t>
+            </a:r>
+            <a:r>
+              <a:rPr lang="pl-PL" dirty="0" err="1"/>
+              <a:t>crowdin.net</a:t>
+            </a:r>
+            <a:r>
+              <a:rPr lang="pl-PL" dirty="0"/>
+              <a:t>/</a:t>
+            </a:r>
+            <a:r>
+              <a:rPr lang="pl-PL" dirty="0" err="1"/>
+              <a:t>project</a:t>
+            </a:r>
+            <a:r>
+              <a:rPr lang="pl-PL" dirty="0"/>
+              <a:t>/ez18n-demo</a:t>
+            </a:r>
+            <a:endParaRPr lang="fr-FR" dirty="0" smtClean="0"/>
+          </a:p>
+          <a:p>
+            <a:endParaRPr lang="fr-FR" dirty="0"/>
           </a:p>
         </p:txBody>
       </p:sp>
     </p:spTree>
     <p:extLst>
       <p:ext uri="{BB962C8B-B14F-4D97-AF65-F5344CB8AC3E}">
-        <p14:creationId xmlns:p14="http://schemas.microsoft.com/office/powerpoint/2010/main" val="1225078731"/>
+        <p14:creationId xmlns:p14="http://schemas.microsoft.com/office/powerpoint/2010/main" val="1178227274"/>
       </p:ext>
     </p:extLst>
   </p:cSld>
@@ -4296,8 +4801,8 @@
           <a:lstStyle/>
           <a:p>
             <a:r>
-              <a:rPr lang="fr-FR" dirty="0" err="1" smtClean="0"/>
-              <a:t>Resources</a:t>
+              <a:rPr lang="fr-FR" dirty="0" smtClean="0"/>
+              <a:t>Aides à la traduction</a:t>
             </a:r>
             <a:endParaRPr lang="fr-FR" dirty="0"/>
           </a:p>
@@ -4319,37 +4824,129 @@
           <a:lstStyle/>
           <a:p>
             <a:r>
-              <a:rPr lang="pl-PL" dirty="0"/>
-              <a:t>http://</a:t>
-            </a:r>
-            <a:r>
-              <a:rPr lang="pl-PL" dirty="0" err="1"/>
-              <a:t>fr.wikipedia.org</a:t>
-            </a:r>
-            <a:r>
-              <a:rPr lang="pl-PL" dirty="0"/>
-              <a:t>/</a:t>
-            </a:r>
-            <a:r>
-              <a:rPr lang="pl-PL" dirty="0" err="1"/>
-              <a:t>wiki</a:t>
-            </a:r>
-            <a:r>
-              <a:rPr lang="pl-PL" dirty="0"/>
-              <a:t>/</a:t>
-            </a:r>
-            <a:r>
-              <a:rPr lang="pl-PL" dirty="0" err="1"/>
-              <a:t>Crowdsourcing</a:t>
-            </a:r>
-            <a:endParaRPr lang="fr-FR" dirty="0"/>
+              <a:rPr lang="en-US" dirty="0" err="1" smtClean="0"/>
+              <a:t>Savez-vous</a:t>
+            </a:r>
+            <a:r>
+              <a:rPr lang="en-US" dirty="0" smtClean="0"/>
+              <a:t> </a:t>
+            </a:r>
+            <a:r>
+              <a:rPr lang="en-US" dirty="0" err="1" smtClean="0"/>
+              <a:t>qu’on</a:t>
+            </a:r>
+            <a:r>
+              <a:rPr lang="en-US" dirty="0" smtClean="0"/>
+              <a:t> </a:t>
+            </a:r>
+            <a:r>
+              <a:rPr lang="en-US" dirty="0" err="1" smtClean="0"/>
+              <a:t>peut</a:t>
+            </a:r>
+            <a:r>
+              <a:rPr lang="en-US" dirty="0" smtClean="0"/>
+              <a:t> savoir </a:t>
+            </a:r>
+            <a:r>
+              <a:rPr lang="en-US" dirty="0" err="1" smtClean="0"/>
+              <a:t>si</a:t>
+            </a:r>
+            <a:r>
+              <a:rPr lang="en-US" dirty="0" smtClean="0"/>
+              <a:t> </a:t>
+            </a:r>
+            <a:r>
+              <a:rPr lang="en-US" dirty="0" err="1" smtClean="0"/>
+              <a:t>vos</a:t>
+            </a:r>
+            <a:r>
+              <a:rPr lang="en-US" dirty="0" smtClean="0"/>
+              <a:t> </a:t>
+            </a:r>
+            <a:r>
+              <a:rPr lang="en-US" dirty="0" err="1" smtClean="0"/>
+              <a:t>textes</a:t>
+            </a:r>
+            <a:r>
+              <a:rPr lang="en-US" dirty="0" smtClean="0"/>
+              <a:t> </a:t>
+            </a:r>
+            <a:r>
+              <a:rPr lang="en-US" dirty="0" err="1" smtClean="0"/>
+              <a:t>seront</a:t>
+            </a:r>
+            <a:r>
+              <a:rPr lang="en-US" dirty="0" smtClean="0"/>
+              <a:t> </a:t>
+            </a:r>
+            <a:r>
+              <a:rPr lang="en-US" dirty="0" err="1" smtClean="0"/>
+              <a:t>durs</a:t>
+            </a:r>
+            <a:r>
+              <a:rPr lang="en-US" dirty="0" smtClean="0"/>
+              <a:t> </a:t>
+            </a:r>
+            <a:r>
+              <a:rPr lang="en-US" dirty="0" err="1" smtClean="0"/>
+              <a:t>à</a:t>
+            </a:r>
+            <a:r>
+              <a:rPr lang="en-US" dirty="0" smtClean="0"/>
+              <a:t> </a:t>
+            </a:r>
+            <a:r>
+              <a:rPr lang="en-US" dirty="0" err="1" smtClean="0"/>
+              <a:t>traduire</a:t>
+            </a:r>
+            <a:r>
+              <a:rPr lang="en-US" dirty="0" smtClean="0"/>
+              <a:t> ?</a:t>
+            </a:r>
+          </a:p>
+          <a:p>
+            <a:endParaRPr lang="en-US" dirty="0" smtClean="0"/>
+          </a:p>
+          <a:p>
+            <a:pPr marL="0" indent="0" algn="ctr">
+              <a:buNone/>
+            </a:pPr>
+            <a:r>
+              <a:rPr lang="en-US" dirty="0" err="1" smtClean="0"/>
+              <a:t>Démo</a:t>
+            </a:r>
+            <a:endParaRPr lang="en-US" dirty="0" smtClean="0"/>
+          </a:p>
+          <a:p>
+            <a:endParaRPr lang="en-US" dirty="0" smtClean="0"/>
+          </a:p>
+          <a:p>
+            <a:r>
+              <a:rPr lang="en-US" dirty="0" smtClean="0">
+                <a:hlinkClick r:id="rId2"/>
+              </a:rPr>
+              <a:t>http</a:t>
+            </a:r>
+            <a:r>
+              <a:rPr lang="en-US" dirty="0">
+                <a:hlinkClick r:id="rId2"/>
+              </a:rPr>
+              <a:t>://</a:t>
+            </a:r>
+            <a:r>
+              <a:rPr lang="en-US" dirty="0" smtClean="0">
+                <a:hlinkClick r:id="rId2"/>
+              </a:rPr>
+              <a:t>www.languagetool.org</a:t>
+            </a:r>
+            <a:endParaRPr lang="en-US" dirty="0" smtClean="0"/>
           </a:p>
         </p:txBody>
       </p:sp>
     </p:spTree>
     <p:extLst>
       <p:ext uri="{BB962C8B-B14F-4D97-AF65-F5344CB8AC3E}">
-        <p14:creationId xmlns:p14="http://schemas.microsoft.com/office/powerpoint/2010/main" val="2910613733"/>
+        <p14:creationId xmlns:p14="http://schemas.microsoft.com/office/powerpoint/2010/main" val="4193026113"/>
       </p:ext>
     </p:extLst>
   </p:cSld>

--- a/ez18n-slides/ez18n_crowdsourcing.pptx
+++ b/ez18n-slides/ez18n_crowdsourcing.pptx
@@ -6,16 +6,17 @@
   </p:sldMasterIdLst>
   <p:sldIdLst>
     <p:sldId id="256" r:id="rId2"/>
-    <p:sldId id="269" r:id="rId3"/>
-    <p:sldId id="260" r:id="rId4"/>
-    <p:sldId id="261" r:id="rId5"/>
-    <p:sldId id="263" r:id="rId6"/>
-    <p:sldId id="266" r:id="rId7"/>
-    <p:sldId id="265" r:id="rId8"/>
-    <p:sldId id="264" r:id="rId9"/>
-    <p:sldId id="268" r:id="rId10"/>
-    <p:sldId id="270" r:id="rId11"/>
-    <p:sldId id="271" r:id="rId12"/>
+    <p:sldId id="272" r:id="rId3"/>
+    <p:sldId id="269" r:id="rId4"/>
+    <p:sldId id="260" r:id="rId5"/>
+    <p:sldId id="261" r:id="rId6"/>
+    <p:sldId id="263" r:id="rId7"/>
+    <p:sldId id="266" r:id="rId8"/>
+    <p:sldId id="265" r:id="rId9"/>
+    <p:sldId id="264" r:id="rId10"/>
+    <p:sldId id="268" r:id="rId11"/>
+    <p:sldId id="270" r:id="rId12"/>
+    <p:sldId id="271" r:id="rId13"/>
   </p:sldIdLst>
   <p:sldSz cx="9144000" cy="6858000" type="screen4x3"/>
   <p:notesSz cx="6858000" cy="9144000"/>
@@ -3209,6 +3210,17 @@
               <a:rPr lang="en-US" dirty="0" err="1" smtClean="0"/>
               <a:t>dbaeli</a:t>
             </a:r>
+            <a:endParaRPr lang="en-US" dirty="0" smtClean="0"/>
+          </a:p>
+          <a:p>
+            <a:r>
+              <a:rPr lang="en-US" dirty="0" smtClean="0"/>
+              <a:t>@</a:t>
+            </a:r>
+            <a:r>
+              <a:rPr lang="en-US" dirty="0" err="1" smtClean="0"/>
+              <a:t>gdigugli</a:t>
+            </a:r>
             <a:endParaRPr lang="fr-FR" dirty="0"/>
           </a:p>
         </p:txBody>
@@ -3267,7 +3279,7 @@
           <a:p>
             <a:r>
               <a:rPr lang="fr-FR" dirty="0" smtClean="0"/>
-              <a:t>Le sommet de l’iceberg</a:t>
+              <a:t>Aides à la traduction</a:t>
             </a:r>
             <a:endParaRPr lang="fr-FR" dirty="0"/>
           </a:p>
@@ -3289,75 +3301,129 @@
           <a:lstStyle/>
           <a:p>
             <a:r>
-              <a:rPr lang="fr-FR" dirty="0" smtClean="0"/>
-              <a:t>Google Translate</a:t>
-            </a:r>
-            <a:endParaRPr lang="fr-FR" dirty="0"/>
-          </a:p>
-          <a:p>
-            <a:pPr lvl="1"/>
+              <a:rPr lang="en-US" dirty="0" err="1" smtClean="0"/>
+              <a:t>Savez-vous</a:t>
+            </a:r>
+            <a:r>
+              <a:rPr lang="en-US" dirty="0" smtClean="0"/>
+              <a:t> </a:t>
+            </a:r>
+            <a:r>
+              <a:rPr lang="en-US" dirty="0" err="1" smtClean="0"/>
+              <a:t>qu’on</a:t>
+            </a:r>
+            <a:r>
+              <a:rPr lang="en-US" dirty="0" smtClean="0"/>
+              <a:t> </a:t>
+            </a:r>
+            <a:r>
+              <a:rPr lang="en-US" dirty="0" err="1" smtClean="0"/>
+              <a:t>peut</a:t>
+            </a:r>
+            <a:r>
+              <a:rPr lang="en-US" dirty="0" smtClean="0"/>
+              <a:t> savoir </a:t>
+            </a:r>
+            <a:r>
+              <a:rPr lang="en-US" dirty="0" err="1" smtClean="0"/>
+              <a:t>si</a:t>
+            </a:r>
+            <a:r>
+              <a:rPr lang="en-US" dirty="0" smtClean="0"/>
+              <a:t> </a:t>
+            </a:r>
+            <a:r>
+              <a:rPr lang="en-US" dirty="0" err="1" smtClean="0"/>
+              <a:t>vos</a:t>
+            </a:r>
+            <a:r>
+              <a:rPr lang="en-US" dirty="0" smtClean="0"/>
+              <a:t> </a:t>
+            </a:r>
+            <a:r>
+              <a:rPr lang="en-US" dirty="0" err="1" smtClean="0"/>
+              <a:t>textes</a:t>
+            </a:r>
+            <a:r>
+              <a:rPr lang="en-US" dirty="0" smtClean="0"/>
+              <a:t> </a:t>
+            </a:r>
+            <a:r>
+              <a:rPr lang="en-US" dirty="0" err="1" smtClean="0"/>
+              <a:t>seront</a:t>
+            </a:r>
+            <a:r>
+              <a:rPr lang="en-US" dirty="0" smtClean="0"/>
+              <a:t> </a:t>
+            </a:r>
+            <a:r>
+              <a:rPr lang="en-US" dirty="0" err="1" smtClean="0"/>
+              <a:t>durs</a:t>
+            </a:r>
+            <a:r>
+              <a:rPr lang="en-US" dirty="0" smtClean="0"/>
+              <a:t> </a:t>
+            </a:r>
+            <a:r>
+              <a:rPr lang="en-US" dirty="0" err="1" smtClean="0"/>
+              <a:t>à</a:t>
+            </a:r>
+            <a:r>
+              <a:rPr lang="en-US" dirty="0" smtClean="0"/>
+              <a:t> </a:t>
+            </a:r>
+            <a:r>
+              <a:rPr lang="en-US" dirty="0" err="1" smtClean="0"/>
+              <a:t>traduire</a:t>
+            </a:r>
+            <a:r>
+              <a:rPr lang="en-US" dirty="0" smtClean="0"/>
+              <a:t> ?</a:t>
+            </a:r>
+          </a:p>
+          <a:p>
+            <a:endParaRPr lang="en-US" dirty="0" smtClean="0"/>
+          </a:p>
+          <a:p>
+            <a:pPr marL="0" indent="0" algn="ctr">
+              <a:buNone/>
+            </a:pPr>
+            <a:r>
+              <a:rPr lang="en-US" dirty="0" err="1" smtClean="0"/>
+              <a:t>Démo</a:t>
+            </a:r>
+            <a:endParaRPr lang="en-US" dirty="0" smtClean="0"/>
+          </a:p>
+          <a:p>
+            <a:endParaRPr lang="en-US" dirty="0" smtClean="0"/>
+          </a:p>
+          <a:p>
+            <a:r>
+              <a:rPr lang="en-US" dirty="0" smtClean="0">
+                <a:hlinkClick r:id="rId2"/>
+              </a:rPr>
+              <a:t>http</a:t>
+            </a:r>
             <a:r>
               <a:rPr lang="en-US" dirty="0">
                 <a:hlinkClick r:id="rId2"/>
               </a:rPr>
-              <a:t>http://</a:t>
+              <a:t>://</a:t>
             </a:r>
             <a:r>
               <a:rPr lang="en-US" dirty="0" smtClean="0">
                 <a:hlinkClick r:id="rId2"/>
               </a:rPr>
-              <a:t>translate.google.com</a:t>
+              <a:t>www.languagetool.org</a:t>
             </a:r>
             <a:endParaRPr lang="en-US" dirty="0" smtClean="0"/>
-          </a:p>
-          <a:p>
-            <a:endParaRPr lang="en-US" dirty="0" smtClean="0"/>
-          </a:p>
-          <a:p>
-            <a:r>
-              <a:rPr lang="en-US" dirty="0" err="1" smtClean="0"/>
-              <a:t>Mais</a:t>
-            </a:r>
-            <a:r>
-              <a:rPr lang="en-US" dirty="0" smtClean="0"/>
-              <a:t> derrière</a:t>
-            </a:r>
-          </a:p>
-          <a:p>
-            <a:pPr lvl="1"/>
-            <a:r>
-              <a:rPr lang="en-US" dirty="0" smtClean="0">
-                <a:hlinkClick r:id="rId3"/>
-              </a:rPr>
-              <a:t>http</a:t>
-            </a:r>
-            <a:r>
-              <a:rPr lang="en-US" dirty="0">
-                <a:hlinkClick r:id="rId3"/>
-              </a:rPr>
-              <a:t>://translate.google.com/</a:t>
-            </a:r>
-            <a:r>
-              <a:rPr lang="en-US" dirty="0" smtClean="0">
-                <a:hlinkClick r:id="rId3"/>
-              </a:rPr>
-              <a:t>toolkit</a:t>
-            </a:r>
-            <a:endParaRPr lang="en-US" dirty="0" smtClean="0"/>
-          </a:p>
-          <a:p>
-            <a:pPr lvl="1"/>
-            <a:endParaRPr lang="fr-FR" dirty="0"/>
-          </a:p>
-          <a:p>
-            <a:endParaRPr lang="fr-FR" dirty="0"/>
           </a:p>
         </p:txBody>
       </p:sp>
     </p:spTree>
     <p:extLst>
       <p:ext uri="{BB962C8B-B14F-4D97-AF65-F5344CB8AC3E}">
-        <p14:creationId xmlns:p14="http://schemas.microsoft.com/office/powerpoint/2010/main" val="417305994"/>
+        <p14:creationId xmlns:p14="http://schemas.microsoft.com/office/powerpoint/2010/main" val="4193026113"/>
       </p:ext>
     </p:extLst>
   </p:cSld>
@@ -3386,6 +3452,140 @@
       </p:grpSpPr>
       <p:sp>
         <p:nvSpPr>
+          <p:cNvPr id="2" name="Titre 1"/>
+          <p:cNvSpPr>
+            <a:spLocks noGrp="1"/>
+          </p:cNvSpPr>
+          <p:nvPr>
+            <p:ph type="title"/>
+          </p:nvPr>
+        </p:nvSpPr>
+        <p:spPr/>
+        <p:txBody>
+          <a:bodyPr/>
+          <a:lstStyle/>
+          <a:p>
+            <a:r>
+              <a:rPr lang="fr-FR" dirty="0" smtClean="0"/>
+              <a:t>Le sommet de l’iceberg</a:t>
+            </a:r>
+            <a:endParaRPr lang="fr-FR" dirty="0"/>
+          </a:p>
+        </p:txBody>
+      </p:sp>
+      <p:sp>
+        <p:nvSpPr>
+          <p:cNvPr id="3" name="Espace réservé du contenu 2"/>
+          <p:cNvSpPr>
+            <a:spLocks noGrp="1"/>
+          </p:cNvSpPr>
+          <p:nvPr>
+            <p:ph idx="1"/>
+          </p:nvPr>
+        </p:nvSpPr>
+        <p:spPr/>
+        <p:txBody>
+          <a:bodyPr/>
+          <a:lstStyle/>
+          <a:p>
+            <a:r>
+              <a:rPr lang="fr-FR" dirty="0" smtClean="0"/>
+              <a:t>Google Translate</a:t>
+            </a:r>
+            <a:endParaRPr lang="fr-FR" dirty="0"/>
+          </a:p>
+          <a:p>
+            <a:pPr lvl="1"/>
+            <a:r>
+              <a:rPr lang="en-US" dirty="0">
+                <a:hlinkClick r:id="rId2"/>
+              </a:rPr>
+              <a:t>http://</a:t>
+            </a:r>
+            <a:r>
+              <a:rPr lang="en-US" dirty="0" smtClean="0">
+                <a:hlinkClick r:id="rId2"/>
+              </a:rPr>
+              <a:t>translate.google.com</a:t>
+            </a:r>
+            <a:endParaRPr lang="en-US" dirty="0" smtClean="0"/>
+          </a:p>
+          <a:p>
+            <a:endParaRPr lang="en-US" dirty="0" smtClean="0"/>
+          </a:p>
+          <a:p>
+            <a:r>
+              <a:rPr lang="en-US" dirty="0" err="1" smtClean="0"/>
+              <a:t>Mais</a:t>
+            </a:r>
+            <a:r>
+              <a:rPr lang="en-US" dirty="0" smtClean="0"/>
+              <a:t> derrière</a:t>
+            </a:r>
+          </a:p>
+          <a:p>
+            <a:pPr lvl="1"/>
+            <a:r>
+              <a:rPr lang="en-US" dirty="0" smtClean="0">
+                <a:hlinkClick r:id="rId3"/>
+              </a:rPr>
+              <a:t>http</a:t>
+            </a:r>
+            <a:r>
+              <a:rPr lang="en-US" dirty="0">
+                <a:hlinkClick r:id="rId3"/>
+              </a:rPr>
+              <a:t>://translate.google.com/</a:t>
+            </a:r>
+            <a:r>
+              <a:rPr lang="en-US" dirty="0" smtClean="0">
+                <a:hlinkClick r:id="rId3"/>
+              </a:rPr>
+              <a:t>toolkit</a:t>
+            </a:r>
+            <a:endParaRPr lang="en-US" dirty="0" smtClean="0"/>
+          </a:p>
+          <a:p>
+            <a:pPr lvl="1"/>
+            <a:endParaRPr lang="fr-FR" dirty="0"/>
+          </a:p>
+          <a:p>
+            <a:endParaRPr lang="fr-FR" dirty="0"/>
+          </a:p>
+        </p:txBody>
+      </p:sp>
+    </p:spTree>
+    <p:extLst>
+      <p:ext uri="{BB962C8B-B14F-4D97-AF65-F5344CB8AC3E}">
+        <p14:creationId xmlns:p14="http://schemas.microsoft.com/office/powerpoint/2010/main" val="417305994"/>
+      </p:ext>
+    </p:extLst>
+  </p:cSld>
+  <p:clrMapOvr>
+    <a:masterClrMapping/>
+  </p:clrMapOvr>
+</p:sld>
+</file>
+
+<file path=ppt/slides/slide12.xml><?xml version="1.0" encoding="utf-8"?>
+<p:sld xmlns:a="http://schemas.openxmlformats.org/drawingml/2006/main" xmlns:r="http://schemas.openxmlformats.org/officeDocument/2006/relationships" xmlns:p="http://schemas.openxmlformats.org/presentationml/2006/main">
+  <p:cSld>
+    <p:spTree>
+      <p:nvGrpSpPr>
+        <p:cNvPr id="1" name=""/>
+        <p:cNvGrpSpPr/>
+        <p:nvPr/>
+      </p:nvGrpSpPr>
+      <p:grpSpPr>
+        <a:xfrm>
+          <a:off x="0" y="0"/>
+          <a:ext cx="0" cy="0"/>
+          <a:chOff x="0" y="0"/>
+          <a:chExt cx="0" cy="0"/>
+        </a:xfrm>
+      </p:grpSpPr>
+      <p:sp>
+        <p:nvSpPr>
           <p:cNvPr id="3" name="Espace réservé du numéro de diapositive 3"/>
           <p:cNvSpPr>
             <a:spLocks noGrp="1"/>
@@ -3402,7 +3602,7 @@
             <a:fld id="{491EF83F-DC3D-2B41-8CED-EDA4CF3DA041}" type="slidenum">
               <a:rPr lang="en-US"/>
               <a:pPr/>
-              <a:t>11</a:t>
+              <a:t>12</a:t>
             </a:fld>
             <a:endParaRPr lang="en-US"/>
           </a:p>
@@ -3654,98 +3854,356 @@
       </p:grpSpPr>
       <p:sp>
         <p:nvSpPr>
-          <p:cNvPr id="2" name="Titre 1"/>
-          <p:cNvSpPr>
-            <a:spLocks noGrp="1"/>
+          <p:cNvPr id="17409" name="Rectangle 1"/>
+          <p:cNvSpPr>
+            <a:spLocks noGrp="1" noChangeArrowheads="1"/>
           </p:cNvSpPr>
           <p:nvPr>
             <p:ph type="title"/>
           </p:nvPr>
         </p:nvSpPr>
-        <p:spPr/>
-        <p:txBody>
-          <a:bodyPr/>
-          <a:lstStyle/>
-          <a:p>
-            <a:r>
-              <a:rPr lang="fr-FR" dirty="0" smtClean="0"/>
-              <a:t>Besoin de gouvernance</a:t>
-            </a:r>
-            <a:endParaRPr lang="fr-FR" dirty="0"/>
-          </a:p>
-        </p:txBody>
-      </p:sp>
-      <p:sp>
-        <p:nvSpPr>
-          <p:cNvPr id="3" name="Espace réservé du contenu 2"/>
-          <p:cNvSpPr>
-            <a:spLocks noGrp="1"/>
-          </p:cNvSpPr>
-          <p:nvPr>
-            <p:ph idx="1"/>
-          </p:nvPr>
-        </p:nvSpPr>
-        <p:spPr/>
-        <p:txBody>
-          <a:bodyPr/>
-          <a:lstStyle/>
-          <a:p>
-            <a:endParaRPr lang="fr-FR" dirty="0" smtClean="0"/>
-          </a:p>
-          <a:p>
-            <a:r>
-              <a:rPr lang="fr-FR" dirty="0" smtClean="0"/>
-              <a:t>Gestion de plusieurs langues </a:t>
-            </a:r>
-          </a:p>
-          <a:p>
-            <a:r>
-              <a:rPr lang="fr-FR" dirty="0" smtClean="0"/>
-              <a:t>Maintenance par les développeurs</a:t>
-            </a:r>
-          </a:p>
-          <a:p>
-            <a:r>
-              <a:rPr lang="fr-FR" dirty="0" smtClean="0"/>
-              <a:t>Externalisation à des traducteurs</a:t>
-            </a:r>
-          </a:p>
-          <a:p>
-            <a:r>
-              <a:rPr lang="fr-FR" dirty="0" smtClean="0"/>
-              <a:t>Intégration et synchronisation</a:t>
-            </a:r>
-          </a:p>
-          <a:p>
-            <a:r>
-              <a:rPr lang="fr-FR" dirty="0" smtClean="0"/>
-              <a:t>Accepter corrections tardives</a:t>
-            </a:r>
-          </a:p>
-          <a:p>
-            <a:endParaRPr lang="fr-FR" dirty="0" smtClean="0"/>
-          </a:p>
-          <a:p>
-            <a:endParaRPr lang="fr-FR" dirty="0"/>
-          </a:p>
-          <a:p>
-            <a:endParaRPr lang="fr-FR" dirty="0" smtClean="0"/>
-          </a:p>
-          <a:p>
-            <a:endParaRPr lang="fr-FR" dirty="0"/>
-          </a:p>
-        </p:txBody>
-      </p:sp>
+        <p:spPr>
+          <a:xfrm>
+            <a:off x="457200" y="404664"/>
+            <a:ext cx="8229600" cy="1013371"/>
+          </a:xfrm>
+          <a:ln/>
+        </p:spPr>
+        <p:txBody>
+          <a:bodyPr anchor="ctr"/>
+          <a:lstStyle/>
+          <a:p>
+            <a:r>
+              <a:rPr lang="en-US" sz="3700" dirty="0"/>
+              <a:t>Speakers</a:t>
+            </a:r>
+            <a:endParaRPr lang="en-US" sz="3700" dirty="0"/>
+          </a:p>
+        </p:txBody>
+      </p:sp>
+      <p:sp>
+        <p:nvSpPr>
+          <p:cNvPr id="3" name="Espace réservé du texte 2"/>
+          <p:cNvSpPr>
+            <a:spLocks noGrp="1"/>
+          </p:cNvSpPr>
+          <p:nvPr>
+            <p:ph type="body" idx="1"/>
+          </p:nvPr>
+        </p:nvSpPr>
+        <p:spPr/>
+        <p:txBody>
+          <a:bodyPr anchor="ctr"/>
+          <a:lstStyle/>
+          <a:p>
+            <a:r>
+              <a:rPr lang="fr-FR" sz="2300" dirty="0"/>
+              <a:t>@</a:t>
+            </a:r>
+            <a:r>
+              <a:rPr lang="fr-FR" sz="2300" dirty="0" err="1"/>
+              <a:t>dbaeli</a:t>
+            </a:r>
+            <a:endParaRPr lang="fr-FR" sz="2300" dirty="0"/>
+          </a:p>
+        </p:txBody>
+      </p:sp>
+      <p:sp>
+        <p:nvSpPr>
+          <p:cNvPr id="5" name="Espace réservé du contenu 4"/>
+          <p:cNvSpPr>
+            <a:spLocks noGrp="1"/>
+          </p:cNvSpPr>
+          <p:nvPr>
+            <p:ph sz="half" idx="2"/>
+          </p:nvPr>
+        </p:nvSpPr>
+        <p:spPr/>
+        <p:txBody>
+          <a:bodyPr/>
+          <a:lstStyle/>
+          <a:p>
+            <a:pPr marL="216027" indent="-216027"/>
+            <a:r>
+              <a:rPr lang="fr-FR" sz="2000" b="1" dirty="0"/>
+              <a:t>Chien de berger Agile pour</a:t>
+            </a:r>
+          </a:p>
+          <a:p>
+            <a:pPr marL="216027" indent="-216027"/>
+            <a:endParaRPr lang="fr-FR" sz="2000" b="1" dirty="0"/>
+          </a:p>
+          <a:p>
+            <a:pPr marL="216027" indent="-216027"/>
+            <a:endParaRPr lang="fr-FR" sz="2000" b="1" dirty="0"/>
+          </a:p>
+          <a:p>
+            <a:pPr marL="216027" indent="-216027"/>
+            <a:r>
+              <a:rPr lang="fr-FR" sz="2000" b="1" dirty="0" err="1" smtClean="0"/>
+              <a:t>Developpeur</a:t>
+            </a:r>
+            <a:r>
+              <a:rPr lang="fr-FR" sz="2000" b="1" dirty="0" smtClean="0"/>
+              <a:t> de plus de 30 ans</a:t>
+            </a:r>
+          </a:p>
+          <a:p>
+            <a:pPr marL="216027" indent="-216027"/>
+            <a:r>
+              <a:rPr lang="fr-FR" sz="2000" b="1" dirty="0" smtClean="0"/>
+              <a:t>Usine logicielles &amp; </a:t>
+            </a:r>
+            <a:r>
+              <a:rPr lang="fr-FR" sz="2000" b="1" dirty="0" err="1" smtClean="0"/>
+              <a:t>DevOps</a:t>
+            </a:r>
+            <a:endParaRPr lang="fr-FR" sz="2000" b="1" dirty="0" smtClean="0"/>
+          </a:p>
+          <a:p>
+            <a:pPr marL="216027" indent="-216027"/>
+            <a:r>
+              <a:rPr lang="fr-FR" sz="2000" b="1" dirty="0" smtClean="0"/>
+              <a:t>Qualité Logicielle</a:t>
+            </a:r>
+          </a:p>
+          <a:p>
+            <a:pPr marL="0" indent="0">
+              <a:buNone/>
+            </a:pPr>
+            <a:r>
+              <a:rPr lang="fr-FR" sz="2000" b="1" dirty="0" smtClean="0"/>
+              <a:t> </a:t>
+            </a:r>
+            <a:endParaRPr lang="fr-FR" sz="2000" b="1" dirty="0"/>
+          </a:p>
+        </p:txBody>
+      </p:sp>
+      <p:sp>
+        <p:nvSpPr>
+          <p:cNvPr id="6" name="Espace réservé du texte 5"/>
+          <p:cNvSpPr>
+            <a:spLocks noGrp="1"/>
+          </p:cNvSpPr>
+          <p:nvPr>
+            <p:ph type="body" sz="quarter" idx="3"/>
+          </p:nvPr>
+        </p:nvSpPr>
+        <p:spPr/>
+        <p:txBody>
+          <a:bodyPr anchor="ctr"/>
+          <a:lstStyle/>
+          <a:p>
+            <a:r>
+              <a:rPr lang="fr-FR" sz="2300" dirty="0"/>
+              <a:t>@</a:t>
+            </a:r>
+            <a:r>
+              <a:rPr lang="fr-FR" sz="2300" dirty="0" err="1"/>
+              <a:t>gdigugli</a:t>
+            </a:r>
+            <a:endParaRPr lang="fr-FR" sz="2300" dirty="0"/>
+          </a:p>
+        </p:txBody>
+      </p:sp>
+      <p:sp>
+        <p:nvSpPr>
+          <p:cNvPr id="7" name="Espace réservé du contenu 6"/>
+          <p:cNvSpPr>
+            <a:spLocks noGrp="1"/>
+          </p:cNvSpPr>
+          <p:nvPr>
+            <p:ph sz="quarter" idx="4"/>
+          </p:nvPr>
+        </p:nvSpPr>
+        <p:spPr/>
+        <p:txBody>
+          <a:bodyPr/>
+          <a:lstStyle/>
+          <a:p>
+            <a:pPr marL="216027" indent="-216027"/>
+            <a:r>
+              <a:rPr lang="fr-FR" sz="2000" b="1" dirty="0" err="1"/>
+              <a:t>Dévelopeur</a:t>
+            </a:r>
+            <a:r>
+              <a:rPr lang="fr-FR" sz="2000" b="1" dirty="0"/>
+              <a:t> java depuis 1999</a:t>
+            </a:r>
+          </a:p>
+          <a:p>
+            <a:pPr marL="216027" indent="-216027"/>
+            <a:r>
+              <a:rPr lang="fr-FR" sz="2000" b="1" dirty="0"/>
+              <a:t>Architecte pour</a:t>
+            </a:r>
+          </a:p>
+          <a:p>
+            <a:pPr marL="216027" indent="-216027"/>
+            <a:r>
+              <a:rPr lang="fr-FR" sz="2000" b="1" dirty="0"/>
+              <a:t>ILOG - IBM</a:t>
+            </a:r>
+          </a:p>
+          <a:p>
+            <a:pPr marL="288036" lvl="1" indent="-288036">
+              <a:buFont typeface="Wingdings" pitchFamily="2" charset="2"/>
+              <a:buChar char="ü"/>
+            </a:pPr>
+            <a:r>
+              <a:rPr lang="fr-FR" sz="1800" b="1" dirty="0"/>
+              <a:t>librairie graphique 2D</a:t>
+            </a:r>
+          </a:p>
+          <a:p>
+            <a:pPr marL="288036" lvl="1" indent="-288036">
+              <a:buFont typeface="Wingdings" pitchFamily="2" charset="2"/>
+              <a:buChar char="ü"/>
+            </a:pPr>
+            <a:r>
+              <a:rPr lang="fr-FR" sz="1800" b="1" dirty="0"/>
+              <a:t>moteur de règles</a:t>
+            </a:r>
+          </a:p>
+          <a:p>
+            <a:pPr marL="216027" indent="-216027"/>
+            <a:r>
+              <a:rPr lang="fr-FR" sz="2000" b="1" dirty="0"/>
+              <a:t>Prima-Solutions</a:t>
+            </a:r>
+          </a:p>
+          <a:p>
+            <a:pPr marL="288036" lvl="1" indent="-288036">
+              <a:buFont typeface="Wingdings" pitchFamily="2" charset="2"/>
+              <a:buChar char="ü"/>
+            </a:pPr>
+            <a:r>
+              <a:rPr lang="fr-FR" sz="1800" b="1" dirty="0"/>
+              <a:t>plate-forme de services pour J2EE</a:t>
+            </a:r>
+          </a:p>
+          <a:p>
+            <a:pPr marL="288036" lvl="1" indent="-288036">
+              <a:buFont typeface="Wingdings" pitchFamily="2" charset="2"/>
+              <a:buChar char="ü"/>
+            </a:pPr>
+            <a:r>
+              <a:rPr lang="fr-FR" sz="1800" b="1" dirty="0"/>
+              <a:t>code génération de modèle métier</a:t>
+            </a:r>
+            <a:endParaRPr lang="fr-FR" sz="1800" dirty="0"/>
+          </a:p>
+        </p:txBody>
+      </p:sp>
+      <p:sp>
+        <p:nvSpPr>
+          <p:cNvPr id="4" name="Espace réservé du numéro de diapositive 3"/>
+          <p:cNvSpPr>
+            <a:spLocks noGrp="1"/>
+          </p:cNvSpPr>
+          <p:nvPr>
+            <p:ph type="sldNum" sz="quarter" idx="10"/>
+          </p:nvPr>
+        </p:nvSpPr>
+        <p:spPr/>
+        <p:txBody>
+          <a:bodyPr/>
+          <a:lstStyle/>
+          <a:p>
+            <a:fld id="{2167D5E7-F765-1149-9760-4E1B78348062}" type="slidenum">
+              <a:rPr lang="en-US"/>
+              <a:pPr/>
+              <a:t>2</a:t>
+            </a:fld>
+            <a:endParaRPr lang="en-US"/>
+          </a:p>
+        </p:txBody>
+      </p:sp>
+      <p:pic>
+        <p:nvPicPr>
+          <p:cNvPr id="2" name="Image 1" descr="LesFurets.wmf"/>
+          <p:cNvPicPr>
+            <a:picLocks noChangeAspect="1"/>
+          </p:cNvPicPr>
+          <p:nvPr/>
+        </p:nvPicPr>
+        <p:blipFill>
+          <a:blip r:embed="rId2">
+            <a:extLst>
+              <a:ext uri="{28A0092B-C50C-407E-A947-70E740481C1C}">
+                <a14:useLocalDpi xmlns:a14="http://schemas.microsoft.com/office/drawing/2010/main" val="0"/>
+              </a:ext>
+            </a:extLst>
+          </a:blip>
+          <a:stretch>
+            <a:fillRect/>
+          </a:stretch>
+        </p:blipFill>
+        <p:spPr>
+          <a:xfrm>
+            <a:off x="990600" y="2667000"/>
+            <a:ext cx="2336800" cy="436021"/>
+          </a:xfrm>
+          <a:prstGeom prst="rect">
+            <a:avLst/>
+          </a:prstGeom>
+        </p:spPr>
+      </p:pic>
+      <p:pic>
+        <p:nvPicPr>
+          <p:cNvPr id="13" name="Image 12" descr="LesFurets.wmf"/>
+          <p:cNvPicPr>
+            <a:picLocks noChangeAspect="1"/>
+          </p:cNvPicPr>
+          <p:nvPr/>
+        </p:nvPicPr>
+        <p:blipFill>
+          <a:blip r:embed="rId2">
+            <a:extLst>
+              <a:ext uri="{28A0092B-C50C-407E-A947-70E740481C1C}">
+                <a14:useLocalDpi xmlns:a14="http://schemas.microsoft.com/office/drawing/2010/main" val="0"/>
+              </a:ext>
+            </a:extLst>
+          </a:blip>
+          <a:stretch>
+            <a:fillRect/>
+          </a:stretch>
+        </p:blipFill>
+        <p:spPr>
+          <a:xfrm>
+            <a:off x="6553200" y="2667000"/>
+            <a:ext cx="2336800" cy="436021"/>
+          </a:xfrm>
+          <a:prstGeom prst="rect">
+            <a:avLst/>
+          </a:prstGeom>
+        </p:spPr>
+      </p:pic>
     </p:spTree>
     <p:extLst>
       <p:ext uri="{BB962C8B-B14F-4D97-AF65-F5344CB8AC3E}">
-        <p14:creationId xmlns:p14="http://schemas.microsoft.com/office/powerpoint/2010/main" val="3969077538"/>
+        <p14:creationId xmlns:p14="http://schemas.microsoft.com/office/powerpoint/2010/main" val="1259141054"/>
       </p:ext>
     </p:extLst>
   </p:cSld>
   <p:clrMapOvr>
     <a:masterClrMapping/>
   </p:clrMapOvr>
+  <mc:AlternateContent xmlns:mc="http://schemas.openxmlformats.org/markup-compatibility/2006">
+    <mc:Choice xmlns:p14="http://schemas.microsoft.com/office/powerpoint/2010/main" Requires="p14">
+      <p:transition spd="slow" p14:dur="2000"/>
+    </mc:Choice>
+    <mc:Fallback>
+      <p:transition xmlns:p14="http://schemas.microsoft.com/office/powerpoint/2010/main" spd="slow"/>
+    </mc:Fallback>
+  </mc:AlternateContent>
+  <p:timing>
+    <p:tnLst>
+      <p:par>
+        <p:cTn xmlns:p14="http://schemas.microsoft.com/office/powerpoint/2010/main" id="1" dur="indefinite" restart="never" nodeType="tmRoot"/>
+      </p:par>
+    </p:tnLst>
+  </p:timing>
 </p:sld>
 </file>
 
@@ -3783,7 +4241,7 @@
           <a:p>
             <a:r>
               <a:rPr lang="fr-FR" dirty="0" smtClean="0"/>
-              <a:t>Externaliser l’Internalisation!</a:t>
+              <a:t>Besoin de gouvernance</a:t>
             </a:r>
             <a:endParaRPr lang="fr-FR" dirty="0"/>
           </a:p>
@@ -3801,94 +4259,48 @@
         </p:nvSpPr>
         <p:spPr/>
         <p:txBody>
-          <a:bodyPr>
-            <a:normAutofit fontScale="92500" lnSpcReduction="20000"/>
-          </a:bodyPr>
-          <a:lstStyle/>
+          <a:bodyPr/>
+          <a:lstStyle/>
+          <a:p>
+            <a:endParaRPr lang="fr-FR" dirty="0" smtClean="0"/>
+          </a:p>
           <a:p>
             <a:r>
               <a:rPr lang="fr-FR" dirty="0" smtClean="0"/>
-              <a:t>Les langues non maitrisées par l’équipe</a:t>
+              <a:t>Gestion de plusieurs langues </a:t>
+            </a:r>
+          </a:p>
+          <a:p>
+            <a:r>
+              <a:rPr lang="fr-FR" dirty="0" smtClean="0"/>
+              <a:t>Maintenance par les développeurs</a:t>
+            </a:r>
+          </a:p>
+          <a:p>
+            <a:r>
+              <a:rPr lang="fr-FR" dirty="0" smtClean="0"/>
+              <a:t>Externalisation à des traducteurs</a:t>
+            </a:r>
+          </a:p>
+          <a:p>
+            <a:r>
+              <a:rPr lang="fr-FR" dirty="0" smtClean="0"/>
+              <a:t>Intégration et synchronisation</a:t>
+            </a:r>
+          </a:p>
+          <a:p>
+            <a:r>
+              <a:rPr lang="fr-FR" dirty="0" smtClean="0"/>
+              <a:t>Accepter corrections tardives</a:t>
             </a:r>
           </a:p>
           <a:p>
             <a:endParaRPr lang="fr-FR" dirty="0" smtClean="0"/>
           </a:p>
           <a:p>
-            <a:r>
-              <a:rPr lang="fr-FR" dirty="0" smtClean="0"/>
-              <a:t>Fichier </a:t>
-            </a:r>
-            <a:r>
-              <a:rPr lang="fr-FR" dirty="0" err="1" smtClean="0"/>
-              <a:t>excel</a:t>
-            </a:r>
-            <a:r>
-              <a:rPr lang="fr-FR" dirty="0" smtClean="0"/>
-              <a:t> ?</a:t>
-            </a:r>
-          </a:p>
-          <a:p>
-            <a:pPr lvl="1"/>
-            <a:r>
-              <a:rPr lang="fr-FR" dirty="0" smtClean="0"/>
-              <a:t>Ok mais on intègre comment ?</a:t>
-            </a:r>
-          </a:p>
-          <a:p>
-            <a:pPr lvl="1"/>
-            <a:r>
-              <a:rPr lang="fr-FR" dirty="0" smtClean="0"/>
-              <a:t>Gestion de source ?</a:t>
-            </a:r>
-          </a:p>
-          <a:p>
-            <a:pPr lvl="1"/>
-            <a:endParaRPr lang="fr-FR" dirty="0" smtClean="0"/>
-          </a:p>
-          <a:p>
-            <a:r>
-              <a:rPr lang="fr-FR" dirty="0" smtClean="0"/>
-              <a:t>Outils de gestion de localisation</a:t>
-            </a:r>
-          </a:p>
-          <a:p>
-            <a:pPr lvl="1"/>
-            <a:r>
-              <a:rPr lang="en-US" dirty="0">
-                <a:hlinkClick r:id="rId2"/>
-              </a:rPr>
-              <a:t>http://www.i18nguy.com/</a:t>
-            </a:r>
-            <a:r>
-              <a:rPr lang="en-US" dirty="0" smtClean="0">
-                <a:hlinkClick r:id="rId2"/>
-              </a:rPr>
-              <a:t>TranslationTools.html</a:t>
-            </a:r>
-            <a:endParaRPr lang="en-US" dirty="0" smtClean="0"/>
-          </a:p>
-          <a:p>
-            <a:pPr lvl="1"/>
-            <a:r>
-              <a:rPr lang="fr-FR" dirty="0" err="1" smtClean="0"/>
-              <a:t>Built</a:t>
-            </a:r>
-            <a:r>
-              <a:rPr lang="fr-FR" dirty="0" smtClean="0"/>
-              <a:t>-in IDE</a:t>
-            </a:r>
-          </a:p>
-          <a:p>
-            <a:pPr lvl="1"/>
-            <a:r>
-              <a:rPr lang="fr-FR" dirty="0" smtClean="0"/>
-              <a:t>Edition simultanée de .</a:t>
-            </a:r>
-            <a:r>
-              <a:rPr lang="fr-FR" dirty="0" err="1" smtClean="0"/>
-              <a:t>properties</a:t>
-            </a:r>
+            <a:endParaRPr lang="fr-FR" dirty="0"/>
+          </a:p>
+          <a:p>
             <a:endParaRPr lang="fr-FR" dirty="0" smtClean="0"/>
           </a:p>
           <a:p>
@@ -3899,7 +4311,7 @@
     </p:spTree>
     <p:extLst>
       <p:ext uri="{BB962C8B-B14F-4D97-AF65-F5344CB8AC3E}">
-        <p14:creationId xmlns:p14="http://schemas.microsoft.com/office/powerpoint/2010/main" val="3597133846"/>
+        <p14:creationId xmlns:p14="http://schemas.microsoft.com/office/powerpoint/2010/main" val="3969077538"/>
       </p:ext>
     </p:extLst>
   </p:cSld>
@@ -3943,7 +4355,7 @@
           <a:p>
             <a:r>
               <a:rPr lang="fr-FR" dirty="0" smtClean="0"/>
-              <a:t>Vraiment pas satisfaisant</a:t>
+              <a:t>Externaliser l’Internalisation!</a:t>
             </a:r>
             <a:endParaRPr lang="fr-FR" dirty="0"/>
           </a:p>
@@ -3959,38 +4371,99 @@
             <p:ph idx="1"/>
           </p:nvPr>
         </p:nvSpPr>
-        <p:spPr>
-          <a:xfrm>
-            <a:off x="457200" y="2667000"/>
-            <a:ext cx="8229600" cy="3459163"/>
-          </a:xfrm>
-        </p:spPr>
-        <p:txBody>
-          <a:bodyPr/>
+        <p:spPr/>
+        <p:txBody>
+          <a:bodyPr>
+            <a:normAutofit fontScale="92500" lnSpcReduction="20000"/>
+          </a:bodyPr>
           <a:lstStyle/>
           <a:p>
             <a:r>
               <a:rPr lang="fr-FR" dirty="0" smtClean="0"/>
-              <a:t>Trop proche du code source</a:t>
-            </a:r>
+              <a:t>Les langues non maitrisées par l’équipe</a:t>
+            </a:r>
+          </a:p>
+          <a:p>
+            <a:endParaRPr lang="fr-FR" dirty="0" smtClean="0"/>
           </a:p>
           <a:p>
             <a:r>
               <a:rPr lang="fr-FR" dirty="0" smtClean="0"/>
-              <a:t>Cycle de vie très différent</a:t>
-            </a:r>
-          </a:p>
-          <a:p>
+              <a:t>Fichier </a:t>
+            </a:r>
+            <a:r>
+              <a:rPr lang="fr-FR" dirty="0" err="1" smtClean="0"/>
+              <a:t>excel</a:t>
+            </a:r>
             <a:r>
               <a:rPr lang="fr-FR" dirty="0" smtClean="0"/>
-              <a:t>Perturbations de l’équipe R&amp;D</a:t>
-            </a:r>
-          </a:p>
-          <a:p>
+              <a:t> ?</a:t>
+            </a:r>
+          </a:p>
+          <a:p>
+            <a:pPr lvl="1"/>
             <a:r>
               <a:rPr lang="fr-FR" dirty="0" smtClean="0"/>
-              <a:t>Il faut trouver autre chose !</a:t>
-            </a:r>
+              <a:t>Ok mais on intègre comment ?</a:t>
+            </a:r>
+          </a:p>
+          <a:p>
+            <a:pPr lvl="1"/>
+            <a:r>
+              <a:rPr lang="fr-FR" dirty="0" smtClean="0"/>
+              <a:t>Gestion de source ?</a:t>
+            </a:r>
+          </a:p>
+          <a:p>
+            <a:pPr lvl="1"/>
+            <a:endParaRPr lang="fr-FR" dirty="0" smtClean="0"/>
+          </a:p>
+          <a:p>
+            <a:r>
+              <a:rPr lang="fr-FR" dirty="0" smtClean="0"/>
+              <a:t>Outils de gestion de localisation</a:t>
+            </a:r>
+          </a:p>
+          <a:p>
+            <a:pPr lvl="1"/>
+            <a:r>
+              <a:rPr lang="en-US" dirty="0">
+                <a:hlinkClick r:id="rId2"/>
+              </a:rPr>
+              <a:t>http://www.i18nguy.com/</a:t>
+            </a:r>
+            <a:r>
+              <a:rPr lang="en-US" dirty="0" smtClean="0">
+                <a:hlinkClick r:id="rId2"/>
+              </a:rPr>
+              <a:t>TranslationTools.html</a:t>
+            </a:r>
+            <a:endParaRPr lang="en-US" dirty="0" smtClean="0"/>
+          </a:p>
+          <a:p>
+            <a:pPr lvl="1"/>
+            <a:r>
+              <a:rPr lang="fr-FR" dirty="0" err="1" smtClean="0"/>
+              <a:t>Built</a:t>
+            </a:r>
+            <a:r>
+              <a:rPr lang="fr-FR" dirty="0" smtClean="0"/>
+              <a:t>-in IDE</a:t>
+            </a:r>
+          </a:p>
+          <a:p>
+            <a:pPr lvl="1"/>
+            <a:r>
+              <a:rPr lang="fr-FR" dirty="0" smtClean="0"/>
+              <a:t>Edition simultanée de .</a:t>
+            </a:r>
+            <a:r>
+              <a:rPr lang="fr-FR" dirty="0" err="1" smtClean="0"/>
+              <a:t>properties</a:t>
+            </a:r>
+            <a:endParaRPr lang="fr-FR" dirty="0" smtClean="0"/>
+          </a:p>
+          <a:p>
             <a:endParaRPr lang="fr-FR" dirty="0"/>
           </a:p>
         </p:txBody>
@@ -3998,7 +4471,7 @@
     </p:spTree>
     <p:extLst>
       <p:ext uri="{BB962C8B-B14F-4D97-AF65-F5344CB8AC3E}">
-        <p14:creationId xmlns:p14="http://schemas.microsoft.com/office/powerpoint/2010/main" val="2188604847"/>
+        <p14:creationId xmlns:p14="http://schemas.microsoft.com/office/powerpoint/2010/main" val="3597133846"/>
       </p:ext>
     </p:extLst>
   </p:cSld>
@@ -4042,6 +4515,105 @@
           <a:p>
             <a:r>
               <a:rPr lang="fr-FR" dirty="0" smtClean="0"/>
+              <a:t>Vraiment pas satisfaisant</a:t>
+            </a:r>
+            <a:endParaRPr lang="fr-FR" dirty="0"/>
+          </a:p>
+        </p:txBody>
+      </p:sp>
+      <p:sp>
+        <p:nvSpPr>
+          <p:cNvPr id="3" name="Espace réservé du contenu 2"/>
+          <p:cNvSpPr>
+            <a:spLocks noGrp="1"/>
+          </p:cNvSpPr>
+          <p:nvPr>
+            <p:ph idx="1"/>
+          </p:nvPr>
+        </p:nvSpPr>
+        <p:spPr>
+          <a:xfrm>
+            <a:off x="457200" y="2667000"/>
+            <a:ext cx="8229600" cy="3459163"/>
+          </a:xfrm>
+        </p:spPr>
+        <p:txBody>
+          <a:bodyPr/>
+          <a:lstStyle/>
+          <a:p>
+            <a:r>
+              <a:rPr lang="fr-FR" dirty="0" smtClean="0"/>
+              <a:t>Trop proche du code source</a:t>
+            </a:r>
+          </a:p>
+          <a:p>
+            <a:r>
+              <a:rPr lang="fr-FR" dirty="0" smtClean="0"/>
+              <a:t>Cycle de vie très différent</a:t>
+            </a:r>
+          </a:p>
+          <a:p>
+            <a:r>
+              <a:rPr lang="fr-FR" dirty="0" smtClean="0"/>
+              <a:t>Perturbations de l’équipe R&amp;D</a:t>
+            </a:r>
+          </a:p>
+          <a:p>
+            <a:r>
+              <a:rPr lang="fr-FR" dirty="0" smtClean="0"/>
+              <a:t>Il faut trouver autre chose !</a:t>
+            </a:r>
+            <a:endParaRPr lang="fr-FR" dirty="0"/>
+          </a:p>
+        </p:txBody>
+      </p:sp>
+    </p:spTree>
+    <p:extLst>
+      <p:ext uri="{BB962C8B-B14F-4D97-AF65-F5344CB8AC3E}">
+        <p14:creationId xmlns:p14="http://schemas.microsoft.com/office/powerpoint/2010/main" val="2188604847"/>
+      </p:ext>
+    </p:extLst>
+  </p:cSld>
+  <p:clrMapOvr>
+    <a:masterClrMapping/>
+  </p:clrMapOvr>
+</p:sld>
+</file>
+
+<file path=ppt/slides/slide6.xml><?xml version="1.0" encoding="utf-8"?>
+<p:sld xmlns:a="http://schemas.openxmlformats.org/drawingml/2006/main" xmlns:r="http://schemas.openxmlformats.org/officeDocument/2006/relationships" xmlns:p="http://schemas.openxmlformats.org/presentationml/2006/main">
+  <p:cSld>
+    <p:spTree>
+      <p:nvGrpSpPr>
+        <p:cNvPr id="1" name=""/>
+        <p:cNvGrpSpPr/>
+        <p:nvPr/>
+      </p:nvGrpSpPr>
+      <p:grpSpPr>
+        <a:xfrm>
+          <a:off x="0" y="0"/>
+          <a:ext cx="0" cy="0"/>
+          <a:chOff x="0" y="0"/>
+          <a:chExt cx="0" cy="0"/>
+        </a:xfrm>
+      </p:grpSpPr>
+      <p:sp>
+        <p:nvSpPr>
+          <p:cNvPr id="2" name="Titre 1"/>
+          <p:cNvSpPr>
+            <a:spLocks noGrp="1"/>
+          </p:cNvSpPr>
+          <p:nvPr>
+            <p:ph type="title"/>
+          </p:nvPr>
+        </p:nvSpPr>
+        <p:spPr/>
+        <p:txBody>
+          <a:bodyPr/>
+          <a:lstStyle/>
+          <a:p>
+            <a:r>
+              <a:rPr lang="fr-FR" dirty="0" smtClean="0"/>
               <a:t>Not </a:t>
             </a:r>
             <a:r>
@@ -4248,7 +4820,7 @@
 </p:sld>
 </file>
 
-<file path=ppt/slides/slide6.xml><?xml version="1.0" encoding="utf-8"?>
+<file path=ppt/slides/slide7.xml><?xml version="1.0" encoding="utf-8"?>
 <p:sld xmlns:a="http://schemas.openxmlformats.org/drawingml/2006/main" xmlns:r="http://schemas.openxmlformats.org/officeDocument/2006/relationships" xmlns:p="http://schemas.openxmlformats.org/presentationml/2006/main">
   <p:cSld>
     <p:spTree>
@@ -4482,162 +5054,6 @@
 </p:sld>
 </file>
 
-<file path=ppt/slides/slide7.xml><?xml version="1.0" encoding="utf-8"?>
-<p:sld xmlns:a="http://schemas.openxmlformats.org/drawingml/2006/main" xmlns:r="http://schemas.openxmlformats.org/officeDocument/2006/relationships" xmlns:p="http://schemas.openxmlformats.org/presentationml/2006/main">
-  <p:cSld>
-    <p:spTree>
-      <p:nvGrpSpPr>
-        <p:cNvPr id="1" name=""/>
-        <p:cNvGrpSpPr/>
-        <p:nvPr/>
-      </p:nvGrpSpPr>
-      <p:grpSpPr>
-        <a:xfrm>
-          <a:off x="0" y="0"/>
-          <a:ext cx="0" cy="0"/>
-          <a:chOff x="0" y="0"/>
-          <a:chExt cx="0" cy="0"/>
-        </a:xfrm>
-      </p:grpSpPr>
-      <p:sp>
-        <p:nvSpPr>
-          <p:cNvPr id="2" name="Titre 1"/>
-          <p:cNvSpPr>
-            <a:spLocks noGrp="1"/>
-          </p:cNvSpPr>
-          <p:nvPr>
-            <p:ph type="title"/>
-          </p:nvPr>
-        </p:nvSpPr>
-        <p:spPr/>
-        <p:txBody>
-          <a:bodyPr>
-            <a:normAutofit/>
-          </a:bodyPr>
-          <a:lstStyle/>
-          <a:p>
-            <a:r>
-              <a:rPr lang="fr-FR" dirty="0"/>
-              <a:t>Et arrive </a:t>
-            </a:r>
-            <a:r>
-              <a:rPr lang="fr-FR" dirty="0" smtClean="0"/>
-              <a:t>le </a:t>
-            </a:r>
-            <a:r>
-              <a:rPr lang="fr-FR" dirty="0" err="1"/>
-              <a:t>crowd</a:t>
-            </a:r>
-            <a:r>
-              <a:rPr lang="fr-FR" dirty="0"/>
-              <a:t> </a:t>
-            </a:r>
-            <a:r>
-              <a:rPr lang="fr-FR" dirty="0" err="1" smtClean="0"/>
-              <a:t>sourcing</a:t>
-            </a:r>
-            <a:endParaRPr lang="fr-FR" dirty="0"/>
-          </a:p>
-        </p:txBody>
-      </p:sp>
-      <p:sp>
-        <p:nvSpPr>
-          <p:cNvPr id="3" name="Espace réservé du contenu 2"/>
-          <p:cNvSpPr>
-            <a:spLocks noGrp="1"/>
-          </p:cNvSpPr>
-          <p:nvPr>
-            <p:ph idx="1"/>
-          </p:nvPr>
-        </p:nvSpPr>
-        <p:spPr>
-          <a:xfrm>
-            <a:off x="457200" y="1600200"/>
-            <a:ext cx="8686800" cy="4525963"/>
-          </a:xfrm>
-        </p:spPr>
-        <p:txBody>
-          <a:bodyPr/>
-          <a:lstStyle/>
-          <a:p>
-            <a:r>
-              <a:rPr lang="fr-FR" dirty="0" smtClean="0"/>
-              <a:t>Site web ouvert</a:t>
-            </a:r>
-          </a:p>
-          <a:p>
-            <a:r>
-              <a:rPr lang="fr-FR" dirty="0" smtClean="0"/>
-              <a:t>Contribution simple</a:t>
-            </a:r>
-          </a:p>
-          <a:p>
-            <a:r>
-              <a:rPr lang="fr-FR" dirty="0" err="1" smtClean="0"/>
-              <a:t>Workflow</a:t>
-            </a:r>
-            <a:r>
-              <a:rPr lang="fr-FR" dirty="0" smtClean="0"/>
-              <a:t> de validation (</a:t>
-            </a:r>
-            <a:r>
-              <a:rPr lang="fr-FR" dirty="0" err="1" smtClean="0"/>
-              <a:t>editeurs</a:t>
-            </a:r>
-            <a:r>
-              <a:rPr lang="fr-FR" dirty="0" smtClean="0"/>
-              <a:t>, contributeurs)</a:t>
-            </a:r>
-          </a:p>
-          <a:p>
-            <a:r>
-              <a:rPr lang="fr-FR" dirty="0" smtClean="0"/>
-              <a:t>Statistiques</a:t>
-            </a:r>
-          </a:p>
-          <a:p>
-            <a:pPr lvl="1"/>
-            <a:r>
-              <a:rPr lang="fr-FR" dirty="0" smtClean="0"/>
-              <a:t>% de couverture</a:t>
-            </a:r>
-          </a:p>
-          <a:p>
-            <a:pPr lvl="1"/>
-            <a:r>
-              <a:rPr lang="fr-FR" dirty="0" smtClean="0"/>
-              <a:t>T</a:t>
-            </a:r>
-            <a:r>
-              <a:rPr lang="fr-FR" dirty="0" smtClean="0"/>
-              <a:t>raductions validées</a:t>
-            </a:r>
-          </a:p>
-          <a:p>
-            <a:pPr lvl="1"/>
-            <a:r>
-              <a:rPr lang="fr-FR" dirty="0" smtClean="0"/>
-              <a:t>Qualité de la traduction</a:t>
-            </a:r>
-          </a:p>
-          <a:p>
-            <a:endParaRPr lang="fr-FR" dirty="0"/>
-          </a:p>
-        </p:txBody>
-      </p:sp>
-    </p:spTree>
-    <p:extLst>
-      <p:ext uri="{BB962C8B-B14F-4D97-AF65-F5344CB8AC3E}">
-        <p14:creationId xmlns:p14="http://schemas.microsoft.com/office/powerpoint/2010/main" val="921606941"/>
-      </p:ext>
-    </p:extLst>
-  </p:cSld>
-  <p:clrMapOvr>
-    <a:masterClrMapping/>
-  </p:clrMapOvr>
-</p:sld>
-</file>
-
 <file path=ppt/slides/slide8.xml><?xml version="1.0" encoding="utf-8"?>
 <p:sld xmlns:a="http://schemas.openxmlformats.org/drawingml/2006/main" xmlns:r="http://schemas.openxmlformats.org/officeDocument/2006/relationships" xmlns:p="http://schemas.openxmlformats.org/presentationml/2006/main">
   <p:cSld>
@@ -4667,12 +5083,30 @@
         </p:nvSpPr>
         <p:spPr/>
         <p:txBody>
-          <a:bodyPr/>
-          <a:lstStyle/>
-          <a:p>
+          <a:bodyPr>
+            <a:normAutofit/>
+          </a:bodyPr>
+          <a:lstStyle/>
+          <a:p>
+            <a:r>
+              <a:rPr lang="fr-FR" dirty="0"/>
+              <a:t>Et arrive </a:t>
+            </a:r>
             <a:r>
               <a:rPr lang="fr-FR" dirty="0" smtClean="0"/>
-              <a:t>Des exemples</a:t>
+              <a:t>le </a:t>
+            </a:r>
+            <a:r>
+              <a:rPr lang="fr-FR" dirty="0" err="1"/>
+              <a:t>crowd</a:t>
+            </a:r>
+            <a:r>
+              <a:rPr lang="fr-FR" dirty="0"/>
+              <a:t> </a:t>
+            </a:r>
+            <a:r>
+              <a:rPr lang="fr-FR" dirty="0" err="1" smtClean="0"/>
+              <a:t>sourcing</a:t>
             </a:r>
             <a:endParaRPr lang="fr-FR" dirty="0"/>
           </a:p>
@@ -4688,67 +5122,75 @@
             <p:ph idx="1"/>
           </p:nvPr>
         </p:nvSpPr>
-        <p:spPr/>
-        <p:txBody>
-          <a:bodyPr/>
-          <a:lstStyle/>
+        <p:spPr>
+          <a:xfrm>
+            <a:off x="457200" y="1600200"/>
+            <a:ext cx="8686800" cy="4525963"/>
+          </a:xfrm>
+        </p:spPr>
+        <p:txBody>
+          <a:bodyPr/>
+          <a:lstStyle/>
+          <a:p>
+            <a:r>
+              <a:rPr lang="fr-FR" dirty="0" smtClean="0"/>
+              <a:t>Site web ouvert</a:t>
+            </a:r>
+          </a:p>
+          <a:p>
+            <a:r>
+              <a:rPr lang="fr-FR" dirty="0" smtClean="0"/>
+              <a:t>Contribution simple</a:t>
+            </a:r>
+          </a:p>
           <a:p>
             <a:r>
               <a:rPr lang="fr-FR" dirty="0" err="1" smtClean="0"/>
-              <a:t>Babili</a:t>
-            </a:r>
-            <a:endParaRPr lang="fr-FR" dirty="0" smtClean="0"/>
+              <a:t>Workflow</a:t>
+            </a:r>
+            <a:r>
+              <a:rPr lang="fr-FR" dirty="0" smtClean="0"/>
+              <a:t> de validation (</a:t>
+            </a:r>
+            <a:r>
+              <a:rPr lang="fr-FR" dirty="0" err="1" smtClean="0"/>
+              <a:t>editeurs</a:t>
+            </a:r>
+            <a:r>
+              <a:rPr lang="fr-FR" dirty="0" smtClean="0"/>
+              <a:t>, contributeurs)</a:t>
+            </a:r>
+          </a:p>
+          <a:p>
+            <a:r>
+              <a:rPr lang="fr-FR" dirty="0" smtClean="0"/>
+              <a:t>Statistiques</a:t>
+            </a:r>
           </a:p>
           <a:p>
             <a:pPr lvl="1"/>
             <a:r>
-              <a:rPr lang="en-US" dirty="0"/>
-              <a:t>http://</a:t>
-            </a:r>
-            <a:r>
-              <a:rPr lang="en-US" dirty="0" err="1"/>
-              <a:t>www.bonitasoft.org</a:t>
-            </a:r>
-            <a:r>
-              <a:rPr lang="en-US" dirty="0"/>
-              <a:t>/</a:t>
-            </a:r>
-            <a:r>
-              <a:rPr lang="en-US" dirty="0" smtClean="0"/>
-              <a:t>translations</a:t>
-            </a:r>
-            <a:endParaRPr lang="fr-FR" dirty="0" smtClean="0"/>
-          </a:p>
-          <a:p>
-            <a:r>
-              <a:rPr lang="fr-FR" dirty="0" err="1" smtClean="0"/>
-              <a:t>Crowdin.net</a:t>
-            </a:r>
-            <a:endParaRPr lang="fr-FR" dirty="0" smtClean="0"/>
+              <a:rPr lang="fr-FR" dirty="0" smtClean="0"/>
+              <a:t>% de couverture</a:t>
+            </a:r>
           </a:p>
           <a:p>
             <a:pPr lvl="1"/>
             <a:r>
-              <a:rPr lang="pl-PL" dirty="0"/>
-              <a:t>http://</a:t>
-            </a:r>
-            <a:r>
-              <a:rPr lang="pl-PL" dirty="0" err="1"/>
-              <a:t>crowdin.net</a:t>
-            </a:r>
-            <a:r>
-              <a:rPr lang="pl-PL" dirty="0"/>
-              <a:t>/</a:t>
-            </a:r>
-            <a:r>
-              <a:rPr lang="pl-PL" dirty="0" err="1"/>
-              <a:t>project</a:t>
-            </a:r>
-            <a:r>
-              <a:rPr lang="pl-PL" dirty="0"/>
-              <a:t>/ez18n-demo</a:t>
-            </a:r>
-            <a:endParaRPr lang="fr-FR" dirty="0" smtClean="0"/>
+              <a:rPr lang="fr-FR" dirty="0" smtClean="0"/>
+              <a:t>T</a:t>
+            </a:r>
+            <a:r>
+              <a:rPr lang="fr-FR" dirty="0" smtClean="0"/>
+              <a:t>raductions validées</a:t>
+            </a:r>
+          </a:p>
+          <a:p>
+            <a:pPr lvl="1"/>
+            <a:r>
+              <a:rPr lang="fr-FR" dirty="0" smtClean="0"/>
+              <a:t>Qualité de la traduction</a:t>
+            </a:r>
           </a:p>
           <a:p>
             <a:endParaRPr lang="fr-FR" dirty="0"/>
@@ -4758,7 +5200,7 @@
     </p:spTree>
     <p:extLst>
       <p:ext uri="{BB962C8B-B14F-4D97-AF65-F5344CB8AC3E}">
-        <p14:creationId xmlns:p14="http://schemas.microsoft.com/office/powerpoint/2010/main" val="1178227274"/>
+        <p14:creationId xmlns:p14="http://schemas.microsoft.com/office/powerpoint/2010/main" val="921606941"/>
       </p:ext>
     </p:extLst>
   </p:cSld>
@@ -4802,7 +5244,7 @@
           <a:p>
             <a:r>
               <a:rPr lang="fr-FR" dirty="0" smtClean="0"/>
-              <a:t>Aides à la traduction</a:t>
+              <a:t>Des exemples</a:t>
             </a:r>
             <a:endParaRPr lang="fr-FR" dirty="0"/>
           </a:p>
@@ -4824,129 +5266,71 @@
           <a:lstStyle/>
           <a:p>
             <a:r>
-              <a:rPr lang="en-US" dirty="0" err="1" smtClean="0"/>
-              <a:t>Savez-vous</a:t>
+              <a:rPr lang="fr-FR" dirty="0" err="1" smtClean="0"/>
+              <a:t>Babili</a:t>
+            </a:r>
+            <a:endParaRPr lang="fr-FR" dirty="0" smtClean="0"/>
+          </a:p>
+          <a:p>
+            <a:pPr lvl="1"/>
+            <a:r>
+              <a:rPr lang="en-US" dirty="0"/>
+              <a:t>http://</a:t>
+            </a:r>
+            <a:r>
+              <a:rPr lang="en-US" dirty="0" err="1"/>
+              <a:t>www.bonitasoft.org</a:t>
+            </a:r>
+            <a:r>
+              <a:rPr lang="en-US" dirty="0"/>
+              <a:t>/</a:t>
             </a:r>
             <a:r>
               <a:rPr lang="en-US" dirty="0" smtClean="0"/>
-              <a:t> </a:t>
-            </a:r>
-            <a:r>
-              <a:rPr lang="en-US" dirty="0" err="1" smtClean="0"/>
-              <a:t>qu’on</a:t>
-            </a:r>
-            <a:r>
-              <a:rPr lang="en-US" dirty="0" smtClean="0"/>
-              <a:t> </a:t>
-            </a:r>
-            <a:r>
-              <a:rPr lang="en-US" dirty="0" err="1" smtClean="0"/>
-              <a:t>peut</a:t>
-            </a:r>
-            <a:r>
-              <a:rPr lang="en-US" dirty="0" smtClean="0"/>
-              <a:t> savoir </a:t>
-            </a:r>
-            <a:r>
-              <a:rPr lang="en-US" dirty="0" err="1" smtClean="0"/>
-              <a:t>si</a:t>
-            </a:r>
-            <a:r>
-              <a:rPr lang="en-US" dirty="0" smtClean="0"/>
-              <a:t> </a:t>
-            </a:r>
-            <a:r>
-              <a:rPr lang="en-US" dirty="0" err="1" smtClean="0"/>
-              <a:t>vos</a:t>
-            </a:r>
-            <a:r>
-              <a:rPr lang="en-US" dirty="0" smtClean="0"/>
-              <a:t> </a:t>
-            </a:r>
-            <a:r>
-              <a:rPr lang="en-US" dirty="0" err="1" smtClean="0"/>
-              <a:t>textes</a:t>
-            </a:r>
-            <a:r>
-              <a:rPr lang="en-US" dirty="0" smtClean="0"/>
-              <a:t> </a:t>
-            </a:r>
-            <a:r>
-              <a:rPr lang="en-US" dirty="0" err="1" smtClean="0"/>
-              <a:t>seront</a:t>
-            </a:r>
-            <a:r>
-              <a:rPr lang="en-US" dirty="0" smtClean="0"/>
-              <a:t> </a:t>
-            </a:r>
-            <a:r>
-              <a:rPr lang="en-US" dirty="0" err="1" smtClean="0"/>
-              <a:t>durs</a:t>
-            </a:r>
-            <a:r>
-              <a:rPr lang="en-US" dirty="0" smtClean="0"/>
-              <a:t> </a:t>
-            </a:r>
-            <a:r>
-              <a:rPr lang="en-US" dirty="0" err="1" smtClean="0"/>
-              <a:t>à</a:t>
-            </a:r>
-            <a:r>
-              <a:rPr lang="en-US" dirty="0" smtClean="0"/>
-              <a:t> </a:t>
-            </a:r>
-            <a:r>
-              <a:rPr lang="en-US" dirty="0" err="1" smtClean="0"/>
-              <a:t>traduire</a:t>
-            </a:r>
-            <a:r>
-              <a:rPr lang="en-US" dirty="0" smtClean="0"/>
-              <a:t> ?</a:t>
-            </a:r>
-          </a:p>
-          <a:p>
-            <a:endParaRPr lang="en-US" dirty="0" smtClean="0"/>
-          </a:p>
-          <a:p>
-            <a:pPr marL="0" indent="0" algn="ctr">
-              <a:buNone/>
-            </a:pPr>
-            <a:r>
-              <a:rPr lang="en-US" dirty="0" err="1" smtClean="0"/>
-              <a:t>Démo</a:t>
-            </a:r>
-            <a:endParaRPr lang="en-US" dirty="0" smtClean="0"/>
-          </a:p>
-          <a:p>
-            <a:endParaRPr lang="en-US" dirty="0" smtClean="0"/>
-          </a:p>
-          <a:p>
-            <a:r>
-              <a:rPr lang="en-US" dirty="0" smtClean="0">
-                <a:hlinkClick r:id="rId2"/>
-              </a:rPr>
-              <a:t>http</a:t>
-            </a:r>
-            <a:r>
-              <a:rPr lang="en-US" dirty="0">
-                <a:hlinkClick r:id="rId2"/>
-              </a:rPr>
-              <a:t>://</a:t>
-            </a:r>
-            <a:r>
-              <a:rPr lang="en-US" dirty="0" smtClean="0">
-                <a:hlinkClick r:id="rId2"/>
-              </a:rPr>
-              <a:t>www.languagetool.org</a:t>
-            </a:r>
-            <a:endParaRPr lang="en-US" dirty="0" smtClean="0"/>
+              <a:t>translations</a:t>
+            </a:r>
+            <a:endParaRPr lang="fr-FR" dirty="0" smtClean="0"/>
+          </a:p>
+          <a:p>
+            <a:r>
+              <a:rPr lang="fr-FR" dirty="0" err="1" smtClean="0"/>
+              <a:t>Crowdin.net</a:t>
+            </a:r>
+            <a:endParaRPr lang="fr-FR" dirty="0" smtClean="0"/>
+          </a:p>
+          <a:p>
+            <a:pPr lvl="1"/>
+            <a:r>
+              <a:rPr lang="pl-PL" dirty="0"/>
+              <a:t>http://</a:t>
+            </a:r>
+            <a:r>
+              <a:rPr lang="pl-PL" dirty="0" err="1"/>
+              <a:t>crowdin.net</a:t>
+            </a:r>
+            <a:r>
+              <a:rPr lang="pl-PL" dirty="0"/>
+              <a:t>/</a:t>
+            </a:r>
+            <a:r>
+              <a:rPr lang="pl-PL" dirty="0" err="1"/>
+              <a:t>project</a:t>
+            </a:r>
+            <a:r>
+              <a:rPr lang="pl-PL" dirty="0"/>
+              <a:t>/ez18n-demo</a:t>
+            </a:r>
+            <a:endParaRPr lang="fr-FR" dirty="0" smtClean="0"/>
+          </a:p>
+          <a:p>
+            <a:endParaRPr lang="fr-FR" dirty="0"/>
           </a:p>
         </p:txBody>
       </p:sp>
     </p:spTree>
     <p:extLst>
       <p:ext uri="{BB962C8B-B14F-4D97-AF65-F5344CB8AC3E}">
-        <p14:creationId xmlns:p14="http://schemas.microsoft.com/office/powerpoint/2010/main" val="4193026113"/>
+        <p14:creationId xmlns:p14="http://schemas.microsoft.com/office/powerpoint/2010/main" val="1178227274"/>
       </p:ext>
     </p:extLst>
   </p:cSld>

--- a/ez18n-slides/ez18n_crowdsourcing.pptx
+++ b/ez18n-slides/ez18n_crowdsourcing.pptx
@@ -299,7 +299,7 @@
           <a:p>
             <a:fld id="{44BDE56E-FDAD-435D-9C14-6892E5F1DEF0}" type="datetimeFigureOut">
               <a:rPr lang="fr-FR" smtClean="0"/>
-              <a:t>13/06/12</a:t>
+              <a:t>6/14/12</a:t>
             </a:fld>
             <a:endParaRPr lang="fr-FR"/>
           </a:p>
@@ -469,7 +469,7 @@
           <a:p>
             <a:fld id="{44BDE56E-FDAD-435D-9C14-6892E5F1DEF0}" type="datetimeFigureOut">
               <a:rPr lang="fr-FR" smtClean="0"/>
-              <a:t>13/06/12</a:t>
+              <a:t>6/14/12</a:t>
             </a:fld>
             <a:endParaRPr lang="fr-FR"/>
           </a:p>
@@ -649,7 +649,7 @@
           <a:p>
             <a:fld id="{44BDE56E-FDAD-435D-9C14-6892E5F1DEF0}" type="datetimeFigureOut">
               <a:rPr lang="fr-FR" smtClean="0"/>
-              <a:t>13/06/12</a:t>
+              <a:t>6/14/12</a:t>
             </a:fld>
             <a:endParaRPr lang="fr-FR"/>
           </a:p>
@@ -819,7 +819,7 @@
           <a:p>
             <a:fld id="{44BDE56E-FDAD-435D-9C14-6892E5F1DEF0}" type="datetimeFigureOut">
               <a:rPr lang="fr-FR" smtClean="0"/>
-              <a:t>13/06/12</a:t>
+              <a:t>6/14/12</a:t>
             </a:fld>
             <a:endParaRPr lang="fr-FR"/>
           </a:p>
@@ -1065,7 +1065,7 @@
           <a:p>
             <a:fld id="{44BDE56E-FDAD-435D-9C14-6892E5F1DEF0}" type="datetimeFigureOut">
               <a:rPr lang="fr-FR" smtClean="0"/>
-              <a:t>13/06/12</a:t>
+              <a:t>6/14/12</a:t>
             </a:fld>
             <a:endParaRPr lang="fr-FR"/>
           </a:p>
@@ -1353,7 +1353,7 @@
           <a:p>
             <a:fld id="{44BDE56E-FDAD-435D-9C14-6892E5F1DEF0}" type="datetimeFigureOut">
               <a:rPr lang="fr-FR" smtClean="0"/>
-              <a:t>13/06/12</a:t>
+              <a:t>6/14/12</a:t>
             </a:fld>
             <a:endParaRPr lang="fr-FR"/>
           </a:p>
@@ -1775,7 +1775,7 @@
           <a:p>
             <a:fld id="{44BDE56E-FDAD-435D-9C14-6892E5F1DEF0}" type="datetimeFigureOut">
               <a:rPr lang="fr-FR" smtClean="0"/>
-              <a:t>13/06/12</a:t>
+              <a:t>6/14/12</a:t>
             </a:fld>
             <a:endParaRPr lang="fr-FR"/>
           </a:p>
@@ -1893,7 +1893,7 @@
           <a:p>
             <a:fld id="{44BDE56E-FDAD-435D-9C14-6892E5F1DEF0}" type="datetimeFigureOut">
               <a:rPr lang="fr-FR" smtClean="0"/>
-              <a:t>13/06/12</a:t>
+              <a:t>6/14/12</a:t>
             </a:fld>
             <a:endParaRPr lang="fr-FR"/>
           </a:p>
@@ -1988,7 +1988,7 @@
           <a:p>
             <a:fld id="{44BDE56E-FDAD-435D-9C14-6892E5F1DEF0}" type="datetimeFigureOut">
               <a:rPr lang="fr-FR" smtClean="0"/>
-              <a:t>13/06/12</a:t>
+              <a:t>6/14/12</a:t>
             </a:fld>
             <a:endParaRPr lang="fr-FR"/>
           </a:p>
@@ -2265,7 +2265,7 @@
           <a:p>
             <a:fld id="{44BDE56E-FDAD-435D-9C14-6892E5F1DEF0}" type="datetimeFigureOut">
               <a:rPr lang="fr-FR" smtClean="0"/>
-              <a:t>13/06/12</a:t>
+              <a:t>6/14/12</a:t>
             </a:fld>
             <a:endParaRPr lang="fr-FR"/>
           </a:p>
@@ -2518,7 +2518,7 @@
           <a:p>
             <a:fld id="{44BDE56E-FDAD-435D-9C14-6892E5F1DEF0}" type="datetimeFigureOut">
               <a:rPr lang="fr-FR" smtClean="0"/>
-              <a:t>13/06/12</a:t>
+              <a:t>6/14/12</a:t>
             </a:fld>
             <a:endParaRPr lang="fr-FR"/>
           </a:p>
@@ -2761,7 +2761,7 @@
           <a:p>
             <a:fld id="{44BDE56E-FDAD-435D-9C14-6892E5F1DEF0}" type="datetimeFigureOut">
               <a:rPr lang="fr-FR" smtClean="0"/>
-              <a:t>13/06/12</a:t>
+              <a:t>6/14/12</a:t>
             </a:fld>
             <a:endParaRPr lang="fr-FR"/>
           </a:p>
@@ -3707,11 +3707,7 @@
             </a:r>
             <a:r>
               <a:rPr lang="fr-FR" dirty="0" smtClean="0"/>
-              <a:t> </a:t>
-            </a:r>
-            <a:r>
-              <a:rPr lang="fr-FR" dirty="0" smtClean="0"/>
-              <a:t>@</a:t>
+              <a:t> @</a:t>
             </a:r>
             <a:r>
               <a:rPr lang="fr-FR" dirty="0" err="1" smtClean="0"/>
@@ -3817,11 +3813,11 @@
   <p:clrMapOvr>
     <a:masterClrMapping/>
   </p:clrMapOvr>
-  <mc:AlternateContent xmlns:mc="http://schemas.openxmlformats.org/markup-compatibility/2006">
-    <mc:Choice xmlns:p14="http://schemas.microsoft.com/office/powerpoint/2010/main" Requires="p14">
+  <mc:AlternateContent xmlns:mc="http://schemas.openxmlformats.org/markup-compatibility/2006" xmlns:p14="http://schemas.microsoft.com/office/powerpoint/2010/main">
+    <mc:Choice Requires="p14">
       <p:transition spd="slow" p14:dur="2000"/>
     </mc:Choice>
-    <mc:Fallback>
+    <mc:Fallback xmlns="">
       <p:transition xmlns:p14="http://schemas.microsoft.com/office/powerpoint/2010/main" spd="slow"/>
     </mc:Fallback>
   </mc:AlternateContent>
@@ -3877,7 +3873,6 @@
               <a:rPr lang="en-US" sz="3700" dirty="0"/>
               <a:t>Speakers</a:t>
             </a:r>
-            <a:endParaRPr lang="en-US" sz="3700" dirty="0"/>
           </a:p>
         </p:txBody>
       </p:sp>
@@ -3940,12 +3935,12 @@
           <a:p>
             <a:pPr marL="216027" indent="-216027"/>
             <a:r>
-              <a:rPr lang="fr-FR" sz="2000" b="1" dirty="0" err="1" smtClean="0"/>
-              <a:t>Developpeur</a:t>
-            </a:r>
-            <a:r>
               <a:rPr lang="fr-FR" sz="2000" b="1" dirty="0" smtClean="0"/>
-              <a:t> de plus de 30 ans</a:t>
+              <a:t>Développeur </a:t>
+            </a:r>
+            <a:r>
+              <a:rPr lang="fr-FR" sz="2000" b="1" dirty="0" smtClean="0"/>
+              <a:t>de plus de 30 ans</a:t>
             </a:r>
           </a:p>
           <a:p>
@@ -4023,12 +4018,12 @@
           <a:p>
             <a:pPr marL="216027" indent="-216027"/>
             <a:r>
-              <a:rPr lang="fr-FR" sz="2000" b="1" dirty="0" err="1"/>
-              <a:t>Dévelopeur</a:t>
+              <a:rPr lang="fr-FR" sz="2000" b="1" dirty="0" smtClean="0"/>
+              <a:t>Développeur </a:t>
             </a:r>
             <a:r>
               <a:rPr lang="fr-FR" sz="2000" b="1" dirty="0"/>
-              <a:t> java depuis 1999</a:t>
+              <a:t>java depuis 1999</a:t>
             </a:r>
           </a:p>
           <a:p>
@@ -4040,9 +4035,21 @@
           </a:p>
           <a:p>
             <a:pPr marL="216027" indent="-216027"/>
+            <a:endParaRPr lang="fr-FR" sz="2000" b="1" dirty="0" smtClean="0"/>
+          </a:p>
+          <a:p>
+            <a:pPr marL="216027" indent="-216027"/>
+            <a:endParaRPr lang="fr-FR" sz="2000" b="1" dirty="0" smtClean="0"/>
+          </a:p>
+          <a:p>
+            <a:pPr marL="216027" indent="-216027"/>
+            <a:r>
+              <a:rPr lang="fr-FR" sz="2000" b="1" dirty="0" smtClean="0"/>
+              <a:t>ILOG </a:t>
+            </a:r>
             <a:r>
               <a:rPr lang="fr-FR" sz="2000" b="1" dirty="0"/>
-              <a:t>ILOG - IBM</a:t>
+              <a:t>- IBM</a:t>
             </a:r>
           </a:p>
           <a:p>
@@ -4171,7 +4178,7 @@
         </p:blipFill>
         <p:spPr>
           <a:xfrm>
-            <a:off x="6553200" y="2667000"/>
+            <a:off x="5486400" y="3124200"/>
             <a:ext cx="2336800" cy="436021"/>
           </a:xfrm>
           <a:prstGeom prst="rect">
@@ -4189,11 +4196,11 @@
   <p:clrMapOvr>
     <a:masterClrMapping/>
   </p:clrMapOvr>
-  <mc:AlternateContent xmlns:mc="http://schemas.openxmlformats.org/markup-compatibility/2006">
-    <mc:Choice xmlns:p14="http://schemas.microsoft.com/office/powerpoint/2010/main" Requires="p14">
+  <mc:AlternateContent xmlns:mc="http://schemas.openxmlformats.org/markup-compatibility/2006" xmlns:p14="http://schemas.microsoft.com/office/powerpoint/2010/main">
+    <mc:Choice Requires="p14">
       <p:transition spd="slow" p14:dur="2000"/>
     </mc:Choice>
-    <mc:Fallback>
+    <mc:Fallback xmlns="">
       <p:transition xmlns:p14="http://schemas.microsoft.com/office/powerpoint/2010/main" spd="slow"/>
     </mc:Fallback>
   </mc:AlternateContent>
@@ -4752,21 +4759,8 @@
             </a:r>
             <a:r>
               <a:rPr lang="fr-FR" dirty="0" smtClean="0"/>
-              <a:t> </a:t>
-            </a:r>
-            <a:r>
-              <a:rPr lang="fr-FR" dirty="0" smtClean="0"/>
-              <a:t>–</a:t>
-            </a:r>
-            <a:r>
-              <a:rPr lang="fr-FR" dirty="0" smtClean="0"/>
-              <a:t> Open Source </a:t>
-            </a:r>
-            <a:r>
-              <a:rPr lang="fr-FR" dirty="0" smtClean="0"/>
-              <a:t>…</a:t>
-            </a:r>
-            <a:endParaRPr lang="fr-FR" dirty="0" smtClean="0"/>
+              <a:t> – Open Source …</a:t>
+            </a:r>
           </a:p>
           <a:p>
             <a:pPr lvl="2"/>
@@ -5178,11 +5172,7 @@
             <a:pPr lvl="1"/>
             <a:r>
               <a:rPr lang="fr-FR" dirty="0" smtClean="0"/>
-              <a:t>T</a:t>
-            </a:r>
-            <a:r>
-              <a:rPr lang="fr-FR" dirty="0" smtClean="0"/>
-              <a:t>raductions validées</a:t>
+              <a:t>Traductions validées</a:t>
             </a:r>
           </a:p>
           <a:p>
